--- a/results/presentation_draft.pptx
+++ b/results/presentation_draft.pptx
@@ -543,11 +543,11 @@
         </c:dLbls>
         <c:gapWidth val="219"/>
         <c:overlap val="-27"/>
-        <c:axId val="324366496"/>
-        <c:axId val="324368456"/>
+        <c:axId val="-1891409504"/>
+        <c:axId val="-1891410048"/>
       </c:barChart>
       <c:catAx>
-        <c:axId val="324366496"/>
+        <c:axId val="-1891409504"/>
         <c:scaling>
           <c:orientation val="minMax"/>
         </c:scaling>
@@ -590,7 +590,7 @@
             <a:endParaRPr lang="en-US"/>
           </a:p>
         </c:txPr>
-        <c:crossAx val="324368456"/>
+        <c:crossAx val="-1891410048"/>
         <c:crosses val="autoZero"/>
         <c:auto val="1"/>
         <c:lblAlgn val="ctr"/>
@@ -598,7 +598,7 @@
         <c:noMultiLvlLbl val="0"/>
       </c:catAx>
       <c:valAx>
-        <c:axId val="324368456"/>
+        <c:axId val="-1891410048"/>
         <c:scaling>
           <c:orientation val="minMax"/>
         </c:scaling>
@@ -649,7 +649,7 @@
             <a:endParaRPr lang="en-US"/>
           </a:p>
         </c:txPr>
-        <c:crossAx val="324366496"/>
+        <c:crossAx val="-1891409504"/>
         <c:crosses val="autoZero"/>
         <c:crossBetween val="between"/>
       </c:valAx>
@@ -1439,7 +1439,7 @@
           <a:p>
             <a:fld id="{785628BC-F588-477D-AB5D-EAE24F884D36}" type="datetimeFigureOut">
               <a:rPr lang="en-US" smtClean="0"/>
-              <a:t>11/29/2014</a:t>
+              <a:t>11/30/2014</a:t>
             </a:fld>
             <a:endParaRPr lang="en-US"/>
           </a:p>
@@ -1609,7 +1609,7 @@
           <a:p>
             <a:fld id="{785628BC-F588-477D-AB5D-EAE24F884D36}" type="datetimeFigureOut">
               <a:rPr lang="en-US" smtClean="0"/>
-              <a:t>11/29/2014</a:t>
+              <a:t>11/30/2014</a:t>
             </a:fld>
             <a:endParaRPr lang="en-US"/>
           </a:p>
@@ -1832,7 +1832,7 @@
           <a:p>
             <a:fld id="{785628BC-F588-477D-AB5D-EAE24F884D36}" type="datetimeFigureOut">
               <a:rPr lang="en-US" smtClean="0"/>
-              <a:t>11/29/2014</a:t>
+              <a:t>11/30/2014</a:t>
             </a:fld>
             <a:endParaRPr lang="en-US"/>
           </a:p>
@@ -2012,7 +2012,7 @@
           <a:p>
             <a:fld id="{785628BC-F588-477D-AB5D-EAE24F884D36}" type="datetimeFigureOut">
               <a:rPr lang="en-US" smtClean="0"/>
-              <a:t>11/29/2014</a:t>
+              <a:t>11/30/2014</a:t>
             </a:fld>
             <a:endParaRPr lang="en-US"/>
           </a:p>
@@ -2318,7 +2318,7 @@
           <a:p>
             <a:fld id="{785628BC-F588-477D-AB5D-EAE24F884D36}" type="datetimeFigureOut">
               <a:rPr lang="en-US" smtClean="0"/>
-              <a:t>11/29/2014</a:t>
+              <a:t>11/30/2014</a:t>
             </a:fld>
             <a:endParaRPr lang="en-US"/>
           </a:p>
@@ -2622,7 +2622,7 @@
           <a:p>
             <a:fld id="{785628BC-F588-477D-AB5D-EAE24F884D36}" type="datetimeFigureOut">
               <a:rPr lang="en-US" smtClean="0"/>
-              <a:t>11/29/2014</a:t>
+              <a:t>11/30/2014</a:t>
             </a:fld>
             <a:endParaRPr lang="en-US"/>
           </a:p>
@@ -3044,7 +3044,7 @@
           <a:p>
             <a:fld id="{785628BC-F588-477D-AB5D-EAE24F884D36}" type="datetimeFigureOut">
               <a:rPr lang="en-US" smtClean="0"/>
-              <a:t>11/29/2014</a:t>
+              <a:t>11/30/2014</a:t>
             </a:fld>
             <a:endParaRPr lang="en-US"/>
           </a:p>
@@ -3162,7 +3162,7 @@
           <a:p>
             <a:fld id="{785628BC-F588-477D-AB5D-EAE24F884D36}" type="datetimeFigureOut">
               <a:rPr lang="en-US" smtClean="0"/>
-              <a:t>11/29/2014</a:t>
+              <a:t>11/30/2014</a:t>
             </a:fld>
             <a:endParaRPr lang="en-US"/>
           </a:p>
@@ -3257,7 +3257,7 @@
           <a:p>
             <a:fld id="{785628BC-F588-477D-AB5D-EAE24F884D36}" type="datetimeFigureOut">
               <a:rPr lang="en-US" smtClean="0"/>
-              <a:t>11/29/2014</a:t>
+              <a:t>11/30/2014</a:t>
             </a:fld>
             <a:endParaRPr lang="en-US"/>
           </a:p>
@@ -3530,7 +3530,7 @@
           <a:p>
             <a:fld id="{785628BC-F588-477D-AB5D-EAE24F884D36}" type="datetimeFigureOut">
               <a:rPr lang="en-US" smtClean="0"/>
-              <a:t>11/29/2014</a:t>
+              <a:t>11/30/2014</a:t>
             </a:fld>
             <a:endParaRPr lang="en-US"/>
           </a:p>
@@ -3795,7 +3795,7 @@
           <a:p>
             <a:fld id="{785628BC-F588-477D-AB5D-EAE24F884D36}" type="datetimeFigureOut">
               <a:rPr lang="en-US" smtClean="0"/>
-              <a:t>11/29/2014</a:t>
+              <a:t>11/30/2014</a:t>
             </a:fld>
             <a:endParaRPr lang="en-US"/>
           </a:p>
@@ -4044,7 +4044,7 @@
           <a:p>
             <a:fld id="{785628BC-F588-477D-AB5D-EAE24F884D36}" type="datetimeFigureOut">
               <a:rPr lang="en-US" smtClean="0"/>
-              <a:t>11/29/2014</a:t>
+              <a:t>11/30/2014</a:t>
             </a:fld>
             <a:endParaRPr lang="en-US"/>
           </a:p>
@@ -4781,54 +4781,192 @@
           </a:p>
         </p:txBody>
       </p:sp>
-      <p:sp>
-        <p:nvSpPr>
-          <p:cNvPr id="3" name="Content Placeholder 2"/>
-          <p:cNvSpPr>
-            <a:spLocks noGrp="1"/>
-          </p:cNvSpPr>
-          <p:nvPr>
-            <p:ph idx="1"/>
-          </p:nvPr>
-        </p:nvSpPr>
-        <p:spPr/>
-        <p:txBody>
-          <a:bodyPr/>
-          <a:lstStyle/>
-          <a:p>
-            <a:r>
-              <a:rPr lang="en-US" dirty="0" smtClean="0"/>
-              <a:t>The hash doesn’t run directly on the image, it runs on the frequency representation of the image.</a:t>
-            </a:r>
-          </a:p>
-          <a:p>
-            <a:endParaRPr lang="en-US" dirty="0"/>
-          </a:p>
-          <a:p>
-            <a:r>
-              <a:rPr lang="en-US" dirty="0" smtClean="0"/>
-              <a:t>To compute the </a:t>
-            </a:r>
-            <a:r>
-              <a:rPr lang="en-US" dirty="0"/>
-              <a:t>F</a:t>
-            </a:r>
-            <a:r>
-              <a:rPr lang="en-US" dirty="0" smtClean="0"/>
-              <a:t>ourier transform of the image, we implemented a 2D Fast Fourier Transform on GPU using the </a:t>
-            </a:r>
-            <a:r>
-              <a:rPr lang="en-US" dirty="0" err="1" smtClean="0"/>
-              <a:t>OpenCL</a:t>
-            </a:r>
-            <a:r>
-              <a:rPr lang="en-US" dirty="0" smtClean="0"/>
-              <a:t> API for all-purpose computing on GPUs.</a:t>
-            </a:r>
-            <a:endParaRPr lang="en-US" dirty="0"/>
-          </a:p>
-        </p:txBody>
-      </p:sp>
+      <mc:AlternateContent xmlns:mc="http://schemas.openxmlformats.org/markup-compatibility/2006">
+        <mc:Choice xmlns:a14="http://schemas.microsoft.com/office/drawing/2010/main" Requires="a14">
+          <p:sp>
+            <p:nvSpPr>
+              <p:cNvPr id="3" name="Content Placeholder 2"/>
+              <p:cNvSpPr>
+                <a:spLocks noGrp="1"/>
+              </p:cNvSpPr>
+              <p:nvPr>
+                <p:ph idx="1"/>
+              </p:nvPr>
+            </p:nvSpPr>
+            <p:spPr/>
+            <p:txBody>
+              <a:bodyPr/>
+              <a:lstStyle/>
+              <a:p>
+                <a:r>
+                  <a:rPr lang="en-US" dirty="0" smtClean="0"/>
+                  <a:t>The hash doesn’t run directly on the image, it runs on the frequency representation of the image.</a:t>
+                </a:r>
+              </a:p>
+              <a:p>
+                <a:endParaRPr lang="en-US" dirty="0"/>
+              </a:p>
+              <a:p>
+                <a:r>
+                  <a:rPr lang="en-US" dirty="0" smtClean="0"/>
+                  <a:t>To compute the </a:t>
+                </a:r>
+                <a:r>
+                  <a:rPr lang="en-US" dirty="0"/>
+                  <a:t>F</a:t>
+                </a:r>
+                <a:r>
+                  <a:rPr lang="en-US" dirty="0" smtClean="0"/>
+                  <a:t>ourier transform of the image, we implemented a 2D Fast Fourier Transform on GPU using the </a:t>
+                </a:r>
+                <a:r>
+                  <a:rPr lang="en-US" dirty="0" err="1" smtClean="0"/>
+                  <a:t>OpenCL</a:t>
+                </a:r>
+                <a:r>
+                  <a:rPr lang="en-US" dirty="0" smtClean="0"/>
+                  <a:t> API for all-purpose computing on GPUs</a:t>
+                </a:r>
+                <a:r>
+                  <a:rPr lang="en-US" dirty="0" smtClean="0"/>
+                  <a:t>.</a:t>
+                </a:r>
+              </a:p>
+              <a:p>
+                <a:endParaRPr lang="en-US" dirty="0"/>
+              </a:p>
+              <a:p>
+                <a:r>
+                  <a:rPr lang="en-US" dirty="0" smtClean="0"/>
+                  <a:t>We used the Cooley-</a:t>
+                </a:r>
+                <a:r>
+                  <a:rPr lang="en-US" dirty="0" err="1" smtClean="0"/>
+                  <a:t>Tukey</a:t>
+                </a:r>
+                <a:r>
+                  <a:rPr lang="en-US" dirty="0" smtClean="0"/>
+                  <a:t> implementation of FFT, which has complexity </a:t>
+                </a:r>
+                <a14:m>
+                  <m:oMath xmlns:m="http://schemas.openxmlformats.org/officeDocument/2006/math">
+                    <m:sSup>
+                      <m:sSupPr>
+                        <m:ctrlPr>
+                          <a:rPr lang="en-US" b="0" i="1" smtClean="0">
+                            <a:latin typeface="Cambria Math" panose="02040503050406030204" pitchFamily="18" charset="0"/>
+                          </a:rPr>
+                        </m:ctrlPr>
+                      </m:sSupPr>
+                      <m:e>
+                        <m:r>
+                          <a:rPr lang="en-US" b="0" i="1" smtClean="0">
+                            <a:latin typeface="Cambria Math" panose="02040503050406030204" pitchFamily="18" charset="0"/>
+                          </a:rPr>
+                          <m:t>𝑁</m:t>
+                        </m:r>
+                      </m:e>
+                      <m:sup>
+                        <m:r>
+                          <a:rPr lang="en-US" b="0" i="1" smtClean="0">
+                            <a:latin typeface="Cambria Math" panose="02040503050406030204" pitchFamily="18" charset="0"/>
+                          </a:rPr>
+                          <m:t>2</m:t>
+                        </m:r>
+                      </m:sup>
+                    </m:sSup>
+                    <m:func>
+                      <m:funcPr>
+                        <m:ctrlPr>
+                          <a:rPr lang="en-US" b="0" i="1" smtClean="0">
+                            <a:latin typeface="Cambria Math" panose="02040503050406030204" pitchFamily="18" charset="0"/>
+                          </a:rPr>
+                        </m:ctrlPr>
+                      </m:funcPr>
+                      <m:fName>
+                        <m:sSub>
+                          <m:sSubPr>
+                            <m:ctrlPr>
+                              <a:rPr lang="en-US" b="0" i="1" smtClean="0">
+                                <a:latin typeface="Cambria Math" panose="02040503050406030204" pitchFamily="18" charset="0"/>
+                              </a:rPr>
+                            </m:ctrlPr>
+                          </m:sSubPr>
+                          <m:e>
+                            <m:r>
+                              <m:rPr>
+                                <m:sty m:val="p"/>
+                              </m:rPr>
+                              <a:rPr lang="en-US" b="0" i="0" smtClean="0">
+                                <a:latin typeface="Cambria Math" panose="02040503050406030204" pitchFamily="18" charset="0"/>
+                              </a:rPr>
+                              <m:t>log</m:t>
+                            </m:r>
+                          </m:e>
+                          <m:sub>
+                            <m:r>
+                              <a:rPr lang="en-US" b="0" i="1" smtClean="0">
+                                <a:latin typeface="Cambria Math" panose="02040503050406030204" pitchFamily="18" charset="0"/>
+                              </a:rPr>
+                              <m:t>2</m:t>
+                            </m:r>
+                          </m:sub>
+                        </m:sSub>
+                      </m:fName>
+                      <m:e>
+                        <m:r>
+                          <a:rPr lang="en-US" b="0" i="1" smtClean="0">
+                            <a:latin typeface="Cambria Math" panose="02040503050406030204" pitchFamily="18" charset="0"/>
+                          </a:rPr>
+                          <m:t>𝑁</m:t>
+                        </m:r>
+                      </m:e>
+                    </m:func>
+                  </m:oMath>
+                </a14:m>
+                <a:r>
+                  <a:rPr lang="en-US" dirty="0" smtClean="0"/>
+                  <a:t> for the 2D implementation.</a:t>
+                </a:r>
+                <a:endParaRPr lang="en-US" dirty="0"/>
+              </a:p>
+            </p:txBody>
+          </p:sp>
+        </mc:Choice>
+        <mc:Fallback>
+          <p:sp>
+            <p:nvSpPr>
+              <p:cNvPr id="3" name="Content Placeholder 2"/>
+              <p:cNvSpPr>
+                <a:spLocks noGrp="1" noRot="1" noChangeAspect="1" noMove="1" noResize="1" noEditPoints="1" noAdjustHandles="1" noChangeArrowheads="1" noChangeShapeType="1" noTextEdit="1"/>
+              </p:cNvSpPr>
+              <p:nvPr>
+                <p:ph idx="1"/>
+              </p:nvPr>
+            </p:nvSpPr>
+            <p:spPr>
+              <a:blipFill rotWithShape="0">
+                <a:blip r:embed="rId2"/>
+                <a:stretch>
+                  <a:fillRect l="-685" t="-1884"/>
+                </a:stretch>
+              </a:blipFill>
+            </p:spPr>
+            <p:txBody>
+              <a:bodyPr/>
+              <a:lstStyle/>
+              <a:p>
+                <a:r>
+                  <a:rPr lang="en-US">
+                    <a:noFill/>
+                  </a:rPr>
+                  <a:t> </a:t>
+                </a:r>
+              </a:p>
+            </p:txBody>
+          </p:sp>
+        </mc:Fallback>
+      </mc:AlternateContent>
     </p:spTree>
     <p:extLst>
       <p:ext uri="{BB962C8B-B14F-4D97-AF65-F5344CB8AC3E}">
@@ -4988,34 +5126,100 @@
           <a:p>
             <a:r>
               <a:rPr lang="en-US" dirty="0" smtClean="0"/>
-              <a:t>Once the frequency domain is computed using FFT, the hashing algorithm is run.</a:t>
-            </a:r>
-          </a:p>
-          <a:p>
+              <a:t>Once the frequency domain is computed using FFT, the hashing algorithm is </a:t>
+            </a:r>
+            <a:r>
+              <a:rPr lang="en-US" dirty="0" smtClean="0"/>
+              <a:t>performed on the resulting matrix.</a:t>
+            </a:r>
             <a:endParaRPr lang="en-US" dirty="0" smtClean="0"/>
           </a:p>
           <a:p>
             <a:r>
               <a:rPr lang="en-US" dirty="0" smtClean="0"/>
-              <a:t>Gives bigger importance to lower frequency components since they contain a large amount of information from the image.</a:t>
-            </a:r>
-          </a:p>
-          <a:p>
+              <a:t>Gives bigger importance to lower frequency components since they contain </a:t>
+            </a:r>
+            <a:r>
+              <a:rPr lang="en-US" dirty="0" smtClean="0"/>
+              <a:t>a large </a:t>
+            </a:r>
+            <a:r>
+              <a:rPr lang="en-US" dirty="0" smtClean="0"/>
+              <a:t>amount of information from the image</a:t>
+            </a:r>
+            <a:r>
+              <a:rPr lang="en-US" dirty="0" smtClean="0"/>
+              <a:t>.</a:t>
+            </a:r>
             <a:endParaRPr lang="en-US" dirty="0" smtClean="0"/>
           </a:p>
           <a:p>
             <a:r>
               <a:rPr lang="en-US" dirty="0" smtClean="0"/>
-              <a:t>Those are mostly stable by image manipulation</a:t>
-            </a:r>
-            <a:r>
-              <a:rPr lang="en-US" dirty="0"/>
-              <a:t>.</a:t>
+              <a:t>These components will stay stable if image changes slightly. This is not usually the case for spatial domain.</a:t>
             </a:r>
             <a:endParaRPr lang="en-US" dirty="0" smtClean="0"/>
           </a:p>
         </p:txBody>
       </p:sp>
+      <p:pic>
+        <p:nvPicPr>
+          <p:cNvPr id="4" name="Picture 3"/>
+          <p:cNvPicPr>
+            <a:picLocks noChangeAspect="1"/>
+          </p:cNvPicPr>
+          <p:nvPr/>
+        </p:nvPicPr>
+        <p:blipFill rotWithShape="1">
+          <a:blip r:embed="rId2" cstate="print">
+            <a:extLst>
+              <a:ext uri="{28A0092B-C50C-407E-A947-70E740481C1C}">
+                <a14:useLocalDpi xmlns:a14="http://schemas.microsoft.com/office/drawing/2010/main" val="0"/>
+              </a:ext>
+            </a:extLst>
+          </a:blip>
+          <a:srcRect t="8617"/>
+          <a:stretch/>
+        </p:blipFill>
+        <p:spPr>
+          <a:xfrm>
+            <a:off x="1353840" y="4643020"/>
+            <a:ext cx="4349883" cy="1793643"/>
+          </a:xfrm>
+          <a:prstGeom prst="rect">
+            <a:avLst/>
+          </a:prstGeom>
+        </p:spPr>
+      </p:pic>
+      <p:pic>
+        <p:nvPicPr>
+          <p:cNvPr id="6" name="Picture 5"/>
+          <p:cNvPicPr>
+            <a:picLocks noChangeAspect="1"/>
+          </p:cNvPicPr>
+          <p:nvPr/>
+        </p:nvPicPr>
+        <p:blipFill rotWithShape="1">
+          <a:blip r:embed="rId3" cstate="print">
+            <a:extLst>
+              <a:ext uri="{28A0092B-C50C-407E-A947-70E740481C1C}">
+                <a14:useLocalDpi xmlns:a14="http://schemas.microsoft.com/office/drawing/2010/main" val="0"/>
+              </a:ext>
+            </a:extLst>
+          </a:blip>
+          <a:srcRect t="10289" b="4477"/>
+          <a:stretch/>
+        </p:blipFill>
+        <p:spPr>
+          <a:xfrm>
+            <a:off x="6578353" y="4643021"/>
+            <a:ext cx="4181854" cy="1748902"/>
+          </a:xfrm>
+          <a:prstGeom prst="rect">
+            <a:avLst/>
+          </a:prstGeom>
+        </p:spPr>
+      </p:pic>
     </p:spTree>
     <p:extLst>
       <p:ext uri="{BB962C8B-B14F-4D97-AF65-F5344CB8AC3E}">
@@ -5122,25 +5326,8 @@
           <a:p>
             <a:r>
               <a:rPr lang="en-US" dirty="0" smtClean="0"/>
-              <a:t>Hypothesis</a:t>
-            </a:r>
-            <a:r>
-              <a:rPr lang="en-US" dirty="0" smtClean="0"/>
-              <a:t>: by associating lower frequencies with </a:t>
-            </a:r>
-            <a:r>
-              <a:rPr lang="en-US" dirty="0" smtClean="0"/>
-              <a:t>larger prime </a:t>
-            </a:r>
-            <a:r>
-              <a:rPr lang="en-US" dirty="0" smtClean="0"/>
-              <a:t>numbers, we are going to get hashes closer to each other for similar </a:t>
-            </a:r>
-            <a:r>
-              <a:rPr lang="en-US" dirty="0" smtClean="0"/>
-              <a:t>images.</a:t>
-            </a:r>
-            <a:endParaRPr lang="en-US" dirty="0" smtClean="0"/>
+              <a:t>Hypothesis: by associating lower frequencies with larger prime numbers, we are going to get hashes closer to each other for similar images.</a:t>
+            </a:r>
           </a:p>
           <a:p>
             <a:endParaRPr lang="en-US" dirty="0"/>
@@ -5871,11 +6058,7 @@
           <a:p>
             <a:r>
               <a:rPr lang="en-US" dirty="0" smtClean="0"/>
-              <a:t>Results – Hashing – </a:t>
-            </a:r>
-            <a:r>
-              <a:rPr lang="en-US" dirty="0" smtClean="0"/>
-              <a:t>I7 Processor</a:t>
+              <a:t>Results – Hashing – I7 Processor</a:t>
             </a:r>
             <a:endParaRPr lang="en-US" dirty="0"/>
           </a:p>
@@ -5983,35 +6166,7 @@
           <a:p>
             <a:r>
               <a:rPr lang="en-US" dirty="0" smtClean="0"/>
-              <a:t>The initial idea was to implement the </a:t>
-            </a:r>
-            <a:r>
-              <a:rPr lang="en-US" dirty="0" smtClean="0"/>
-              <a:t>Fisher faces algorithm for </a:t>
-            </a:r>
-            <a:r>
-              <a:rPr lang="en-US" dirty="0" smtClean="0"/>
-              <a:t>facial recognition </a:t>
-            </a:r>
-            <a:r>
-              <a:rPr lang="en-US" dirty="0" smtClean="0"/>
-              <a:t>but </a:t>
-            </a:r>
-            <a:r>
-              <a:rPr lang="en-US" dirty="0" smtClean="0"/>
-              <a:t>due to the time </a:t>
-            </a:r>
-            <a:r>
-              <a:rPr lang="en-US" dirty="0" smtClean="0"/>
-              <a:t>constraints </a:t>
-            </a:r>
-            <a:r>
-              <a:rPr lang="en-US" dirty="0" smtClean="0"/>
-              <a:t>we had to simplify our goals</a:t>
-            </a:r>
-            <a:r>
-              <a:rPr lang="en-US" dirty="0" smtClean="0"/>
-              <a:t>.</a:t>
+              <a:t>The initial idea was to implement the Fisher faces algorithm for facial recognition but due to the time constraints we had to simplify our goals.</a:t>
             </a:r>
           </a:p>
           <a:p>
@@ -6037,11 +6192,23 @@
             </a:r>
             <a:r>
               <a:rPr lang="en-US" dirty="0" smtClean="0"/>
-              <a:t> to parallelize </a:t>
+              <a:t> to parallelize the hashing part is not worth </a:t>
             </a:r>
             <a:r>
               <a:rPr lang="en-US" dirty="0" smtClean="0"/>
-              <a:t>the hashing part is not worth it since the runtime is similar to serial</a:t>
+              <a:t>it </a:t>
+            </a:r>
+            <a:r>
+              <a:rPr lang="en-US" dirty="0" smtClean="0"/>
+              <a:t>since </a:t>
+            </a:r>
+            <a:r>
+              <a:rPr lang="en-US" dirty="0" smtClean="0"/>
+              <a:t>the </a:t>
+            </a:r>
+            <a:r>
+              <a:rPr lang="en-US" dirty="0" smtClean="0"/>
+              <a:t>parallelized computations are very simple (multiplication) and the communication overhead is too large.</a:t>
             </a:r>
             <a:endParaRPr lang="en-US" dirty="0" smtClean="0"/>
           </a:p>

--- a/results/presentation_draft.pptx
+++ b/results/presentation_draft.pptx
@@ -141,7 +141,7 @@
           <a:lstStyle/>
           <a:p>
             <a:pPr>
-              <a:defRPr sz="1862" b="0" i="0" u="none" strike="noStrike" kern="1200" spc="0" baseline="0">
+              <a:defRPr lang="en-US" sz="2160" b="0" i="0" u="none" strike="noStrike" kern="1200" spc="0" baseline="0">
                 <a:solidFill>
                   <a:schemeClr val="tx1">
                     <a:lumMod val="65000"/>
@@ -154,10 +154,9 @@
               </a:defRPr>
             </a:pPr>
             <a:r>
-              <a:rPr lang="en-CA" dirty="0" smtClean="0"/>
-              <a:t>Runtimes</a:t>
-            </a:r>
-            <a:endParaRPr lang="en-CA" dirty="0"/>
+              <a:rPr lang="en-US"/>
+              <a:t>FFT Runtime serial CPU / Parallel OpenCL</a:t>
+            </a:r>
           </a:p>
         </c:rich>
       </c:tx>
@@ -175,7 +174,577 @@
         <a:lstStyle/>
         <a:p>
           <a:pPr>
-            <a:defRPr sz="1862" b="0" i="0" u="none" strike="noStrike" kern="1200" spc="0" baseline="0">
+            <a:defRPr lang="en-US" sz="2160" b="0" i="0" u="none" strike="noStrike" kern="1200" spc="0" baseline="0">
+              <a:solidFill>
+                <a:schemeClr val="tx1">
+                  <a:lumMod val="65000"/>
+                  <a:lumOff val="35000"/>
+                </a:schemeClr>
+              </a:solidFill>
+              <a:latin typeface="+mn-lt"/>
+              <a:ea typeface="+mn-ea"/>
+              <a:cs typeface="+mn-cs"/>
+            </a:defRPr>
+          </a:pPr>
+          <a:endParaRPr lang="en-US"/>
+        </a:p>
+      </c:txPr>
+    </c:title>
+    <c:autoTitleDeleted val="0"/>
+    <c:plotArea>
+      <c:layout/>
+      <c:barChart>
+        <c:barDir val="col"/>
+        <c:grouping val="clustered"/>
+        <c:varyColors val="0"/>
+        <c:ser>
+          <c:idx val="0"/>
+          <c:order val="0"/>
+          <c:tx>
+            <c:v>openCL FFT</c:v>
+          </c:tx>
+          <c:spPr>
+            <a:solidFill>
+              <a:schemeClr val="accent1"/>
+            </a:solidFill>
+            <a:ln>
+              <a:noFill/>
+            </a:ln>
+            <a:effectLst/>
+          </c:spPr>
+          <c:invertIfNegative val="0"/>
+          <c:dLbls>
+            <c:dLbl>
+              <c:idx val="0"/>
+              <c:layout/>
+              <c:tx>
+                <c:rich>
+                  <a:bodyPr rot="0" spcFirstLastPara="1" vertOverflow="ellipsis" vert="horz" wrap="square" anchor="ctr" anchorCtr="1"/>
+                  <a:lstStyle/>
+                  <a:p>
+                    <a:pPr>
+                      <a:defRPr lang="en-US" sz="1800" b="0" i="0" u="none" strike="noStrike" kern="1200" baseline="0">
+                        <a:solidFill>
+                          <a:schemeClr val="tx1">
+                            <a:lumMod val="75000"/>
+                            <a:lumOff val="25000"/>
+                          </a:schemeClr>
+                        </a:solidFill>
+                        <a:latin typeface="+mn-lt"/>
+                        <a:ea typeface="+mn-ea"/>
+                        <a:cs typeface="+mn-cs"/>
+                      </a:defRPr>
+                    </a:pPr>
+                    <a:fld id="{EEC6EAEB-FCA5-42D9-95AA-200DD719383C}" type="VALUE">
+                      <a:rPr lang="en-US"/>
+                      <a:pPr>
+                        <a:defRPr/>
+                      </a:pPr>
+                      <a:t>[VALUE]</a:t>
+                    </a:fld>
+                    <a:endParaRPr lang="en-US"/>
+                  </a:p>
+                </c:rich>
+              </c:tx>
+              <c:spPr>
+                <a:noFill/>
+                <a:ln>
+                  <a:noFill/>
+                </a:ln>
+                <a:effectLst/>
+              </c:spPr>
+              <c:txPr>
+                <a:bodyPr rot="0" spcFirstLastPara="1" vertOverflow="ellipsis" vert="horz" wrap="square" anchor="ctr" anchorCtr="1"/>
+                <a:lstStyle/>
+                <a:p>
+                  <a:pPr>
+                    <a:defRPr lang="en-US" sz="1800" b="0" i="0" u="none" strike="noStrike" kern="1200" baseline="0">
+                      <a:solidFill>
+                        <a:schemeClr val="tx1">
+                          <a:lumMod val="75000"/>
+                          <a:lumOff val="25000"/>
+                        </a:schemeClr>
+                      </a:solidFill>
+                      <a:latin typeface="+mn-lt"/>
+                      <a:ea typeface="+mn-ea"/>
+                      <a:cs typeface="+mn-cs"/>
+                    </a:defRPr>
+                  </a:pPr>
+                  <a:endParaRPr lang="en-US"/>
+                </a:p>
+              </c:txPr>
+              <c:dLblPos val="outEnd"/>
+              <c:showLegendKey val="0"/>
+              <c:showVal val="1"/>
+              <c:showCatName val="0"/>
+              <c:showSerName val="0"/>
+              <c:showPercent val="0"/>
+              <c:showBubbleSize val="0"/>
+              <c:extLst>
+                <c:ext xmlns:c15="http://schemas.microsoft.com/office/drawing/2012/chart" uri="{CE6537A1-D6FC-4f65-9D91-7224C49458BB}">
+                  <c15:layout>
+                    <c:manualLayout>
+                      <c:w val="5.525879970722921E-2"/>
+                      <c:h val="8.1464269796464123E-2"/>
+                    </c:manualLayout>
+                  </c15:layout>
+                  <c15:dlblFieldTable/>
+                  <c15:showDataLabelsRange val="0"/>
+                </c:ext>
+              </c:extLst>
+            </c:dLbl>
+            <c:spPr>
+              <a:noFill/>
+              <a:ln>
+                <a:noFill/>
+              </a:ln>
+              <a:effectLst/>
+            </c:spPr>
+            <c:txPr>
+              <a:bodyPr rot="0" spcFirstLastPara="1" vertOverflow="ellipsis" vert="horz" wrap="square" anchor="ctr" anchorCtr="1"/>
+              <a:lstStyle/>
+              <a:p>
+                <a:pPr>
+                  <a:defRPr lang="en-US" sz="1800" b="0" i="0" u="none" strike="noStrike" kern="1200" baseline="0">
+                    <a:solidFill>
+                      <a:schemeClr val="tx1">
+                        <a:lumMod val="75000"/>
+                        <a:lumOff val="25000"/>
+                      </a:schemeClr>
+                    </a:solidFill>
+                    <a:latin typeface="+mn-lt"/>
+                    <a:ea typeface="+mn-ea"/>
+                    <a:cs typeface="+mn-cs"/>
+                  </a:defRPr>
+                </a:pPr>
+                <a:endParaRPr lang="en-US"/>
+              </a:p>
+            </c:txPr>
+            <c:dLblPos val="outEnd"/>
+            <c:showLegendKey val="0"/>
+            <c:showVal val="1"/>
+            <c:showCatName val="0"/>
+            <c:showSerName val="0"/>
+            <c:showPercent val="0"/>
+            <c:showBubbleSize val="0"/>
+            <c:showLeaderLines val="0"/>
+            <c:extLst>
+              <c:ext xmlns:c15="http://schemas.microsoft.com/office/drawing/2012/chart" uri="{CE6537A1-D6FC-4f65-9D91-7224C49458BB}">
+                <c15:layout/>
+                <c15:showLeaderLines val="1"/>
+                <c15:leaderLines>
+                  <c:spPr>
+                    <a:ln w="9525" cap="flat" cmpd="sng" algn="ctr">
+                      <a:solidFill>
+                        <a:schemeClr val="tx1">
+                          <a:lumMod val="35000"/>
+                          <a:lumOff val="65000"/>
+                        </a:schemeClr>
+                      </a:solidFill>
+                      <a:round/>
+                    </a:ln>
+                    <a:effectLst/>
+                  </c:spPr>
+                </c15:leaderLines>
+              </c:ext>
+            </c:extLst>
+          </c:dLbls>
+          <c:cat>
+            <c:numLit>
+              <c:formatCode>General</c:formatCode>
+              <c:ptCount val="4"/>
+              <c:pt idx="0">
+                <c:v>256</c:v>
+              </c:pt>
+              <c:pt idx="1">
+                <c:v>512</c:v>
+              </c:pt>
+              <c:pt idx="2">
+                <c:v>1024</c:v>
+              </c:pt>
+              <c:pt idx="3">
+                <c:v>2048</c:v>
+              </c:pt>
+            </c:numLit>
+          </c:cat>
+          <c:val>
+            <c:numRef>
+              <c:f>Sheet1!$E$4:$E$7</c:f>
+              <c:numCache>
+                <c:formatCode>General</c:formatCode>
+                <c:ptCount val="4"/>
+                <c:pt idx="0">
+                  <c:v>0.76</c:v>
+                </c:pt>
+                <c:pt idx="1">
+                  <c:v>1.379</c:v>
+                </c:pt>
+                <c:pt idx="2">
+                  <c:v>1.7709999999999999</c:v>
+                </c:pt>
+                <c:pt idx="3">
+                  <c:v>2.3639999999999999</c:v>
+                </c:pt>
+              </c:numCache>
+            </c:numRef>
+          </c:val>
+        </c:ser>
+        <c:ser>
+          <c:idx val="1"/>
+          <c:order val="1"/>
+          <c:tx>
+            <c:v>Serial FFT</c:v>
+          </c:tx>
+          <c:spPr>
+            <a:solidFill>
+              <a:schemeClr val="accent2"/>
+            </a:solidFill>
+            <a:ln>
+              <a:noFill/>
+            </a:ln>
+            <a:effectLst/>
+          </c:spPr>
+          <c:invertIfNegative val="0"/>
+          <c:dLbls>
+            <c:spPr>
+              <a:noFill/>
+              <a:ln>
+                <a:noFill/>
+              </a:ln>
+              <a:effectLst/>
+            </c:spPr>
+            <c:txPr>
+              <a:bodyPr rot="0" spcFirstLastPara="1" vertOverflow="ellipsis" vert="horz" wrap="square" anchor="ctr" anchorCtr="1"/>
+              <a:lstStyle/>
+              <a:p>
+                <a:pPr>
+                  <a:defRPr lang="en-US" sz="1800" b="0" i="0" u="none" strike="noStrike" kern="1200" baseline="0">
+                    <a:solidFill>
+                      <a:schemeClr val="tx1">
+                        <a:lumMod val="75000"/>
+                        <a:lumOff val="25000"/>
+                      </a:schemeClr>
+                    </a:solidFill>
+                    <a:latin typeface="+mn-lt"/>
+                    <a:ea typeface="+mn-ea"/>
+                    <a:cs typeface="+mn-cs"/>
+                  </a:defRPr>
+                </a:pPr>
+                <a:endParaRPr lang="en-US"/>
+              </a:p>
+            </c:txPr>
+            <c:dLblPos val="outEnd"/>
+            <c:showLegendKey val="0"/>
+            <c:showVal val="1"/>
+            <c:showCatName val="0"/>
+            <c:showSerName val="0"/>
+            <c:showPercent val="0"/>
+            <c:showBubbleSize val="0"/>
+            <c:showLeaderLines val="0"/>
+            <c:extLst>
+              <c:ext xmlns:c15="http://schemas.microsoft.com/office/drawing/2012/chart" uri="{CE6537A1-D6FC-4f65-9D91-7224C49458BB}">
+                <c15:layout/>
+                <c15:showLeaderLines val="1"/>
+                <c15:leaderLines>
+                  <c:spPr>
+                    <a:ln w="9525" cap="flat" cmpd="sng" algn="ctr">
+                      <a:solidFill>
+                        <a:schemeClr val="tx1">
+                          <a:lumMod val="35000"/>
+                          <a:lumOff val="65000"/>
+                        </a:schemeClr>
+                      </a:solidFill>
+                      <a:round/>
+                    </a:ln>
+                    <a:effectLst/>
+                  </c:spPr>
+                </c15:leaderLines>
+              </c:ext>
+            </c:extLst>
+          </c:dLbls>
+          <c:cat>
+            <c:numLit>
+              <c:formatCode>General</c:formatCode>
+              <c:ptCount val="4"/>
+              <c:pt idx="0">
+                <c:v>256</c:v>
+              </c:pt>
+              <c:pt idx="1">
+                <c:v>512</c:v>
+              </c:pt>
+              <c:pt idx="2">
+                <c:v>1024</c:v>
+              </c:pt>
+              <c:pt idx="3">
+                <c:v>2048</c:v>
+              </c:pt>
+            </c:numLit>
+          </c:cat>
+          <c:val>
+            <c:numRef>
+              <c:f>Sheet1!$C$4:$C$7</c:f>
+              <c:numCache>
+                <c:formatCode>General</c:formatCode>
+                <c:ptCount val="4"/>
+                <c:pt idx="0">
+                  <c:v>0.58199999999999996</c:v>
+                </c:pt>
+                <c:pt idx="1">
+                  <c:v>2.4350000000000001</c:v>
+                </c:pt>
+                <c:pt idx="2">
+                  <c:v>10.157</c:v>
+                </c:pt>
+                <c:pt idx="3">
+                  <c:v>42.11</c:v>
+                </c:pt>
+              </c:numCache>
+            </c:numRef>
+          </c:val>
+        </c:ser>
+        <c:dLbls>
+          <c:dLblPos val="outEnd"/>
+          <c:showLegendKey val="0"/>
+          <c:showVal val="1"/>
+          <c:showCatName val="0"/>
+          <c:showSerName val="0"/>
+          <c:showPercent val="0"/>
+          <c:showBubbleSize val="0"/>
+        </c:dLbls>
+        <c:gapWidth val="219"/>
+        <c:overlap val="-27"/>
+        <c:axId val="352177624"/>
+        <c:axId val="352173704"/>
+      </c:barChart>
+      <c:catAx>
+        <c:axId val="352177624"/>
+        <c:scaling>
+          <c:orientation val="minMax"/>
+        </c:scaling>
+        <c:delete val="0"/>
+        <c:axPos val="b"/>
+        <c:numFmt formatCode="General" sourceLinked="1"/>
+        <c:majorTickMark val="none"/>
+        <c:minorTickMark val="none"/>
+        <c:tickLblPos val="nextTo"/>
+        <c:spPr>
+          <a:noFill/>
+          <a:ln w="9525" cap="flat" cmpd="sng" algn="ctr">
+            <a:solidFill>
+              <a:schemeClr val="tx1">
+                <a:lumMod val="15000"/>
+                <a:lumOff val="85000"/>
+              </a:schemeClr>
+            </a:solidFill>
+            <a:round/>
+          </a:ln>
+          <a:effectLst/>
+        </c:spPr>
+        <c:txPr>
+          <a:bodyPr rot="-60000000" spcFirstLastPara="1" vertOverflow="ellipsis" vert="horz" wrap="square" anchor="ctr" anchorCtr="1"/>
+          <a:lstStyle/>
+          <a:p>
+            <a:pPr>
+              <a:defRPr lang="en-US" sz="1800" b="0" i="0" u="none" strike="noStrike" kern="1200" baseline="0">
+                <a:solidFill>
+                  <a:schemeClr val="tx1">
+                    <a:lumMod val="65000"/>
+                    <a:lumOff val="35000"/>
+                  </a:schemeClr>
+                </a:solidFill>
+                <a:latin typeface="+mn-lt"/>
+                <a:ea typeface="+mn-ea"/>
+                <a:cs typeface="+mn-cs"/>
+              </a:defRPr>
+            </a:pPr>
+            <a:endParaRPr lang="en-US"/>
+          </a:p>
+        </c:txPr>
+        <c:crossAx val="352173704"/>
+        <c:crosses val="autoZero"/>
+        <c:auto val="1"/>
+        <c:lblAlgn val="ctr"/>
+        <c:lblOffset val="100"/>
+        <c:noMultiLvlLbl val="0"/>
+      </c:catAx>
+      <c:valAx>
+        <c:axId val="352173704"/>
+        <c:scaling>
+          <c:orientation val="minMax"/>
+        </c:scaling>
+        <c:delete val="0"/>
+        <c:axPos val="l"/>
+        <c:majorGridlines>
+          <c:spPr>
+            <a:ln w="9525" cap="flat" cmpd="sng" algn="ctr">
+              <a:solidFill>
+                <a:schemeClr val="tx1">
+                  <a:lumMod val="15000"/>
+                  <a:lumOff val="85000"/>
+                </a:schemeClr>
+              </a:solidFill>
+              <a:round/>
+            </a:ln>
+            <a:effectLst/>
+          </c:spPr>
+        </c:majorGridlines>
+        <c:numFmt formatCode="General" sourceLinked="1"/>
+        <c:majorTickMark val="none"/>
+        <c:minorTickMark val="none"/>
+        <c:tickLblPos val="nextTo"/>
+        <c:spPr>
+          <a:noFill/>
+          <a:ln>
+            <a:noFill/>
+          </a:ln>
+          <a:effectLst/>
+        </c:spPr>
+        <c:txPr>
+          <a:bodyPr rot="-60000000" spcFirstLastPara="1" vertOverflow="ellipsis" vert="horz" wrap="square" anchor="ctr" anchorCtr="1"/>
+          <a:lstStyle/>
+          <a:p>
+            <a:pPr>
+              <a:defRPr lang="en-US" sz="1800" b="0" i="0" u="none" strike="noStrike" kern="1200" baseline="0">
+                <a:solidFill>
+                  <a:schemeClr val="tx1">
+                    <a:lumMod val="65000"/>
+                    <a:lumOff val="35000"/>
+                  </a:schemeClr>
+                </a:solidFill>
+                <a:latin typeface="+mn-lt"/>
+                <a:ea typeface="+mn-ea"/>
+                <a:cs typeface="+mn-cs"/>
+              </a:defRPr>
+            </a:pPr>
+            <a:endParaRPr lang="en-US"/>
+          </a:p>
+        </c:txPr>
+        <c:crossAx val="352177624"/>
+        <c:crosses val="autoZero"/>
+        <c:crossBetween val="between"/>
+      </c:valAx>
+      <c:spPr>
+        <a:noFill/>
+        <a:ln>
+          <a:noFill/>
+        </a:ln>
+        <a:effectLst/>
+      </c:spPr>
+    </c:plotArea>
+    <c:legend>
+      <c:legendPos val="r"/>
+      <c:layout/>
+      <c:overlay val="0"/>
+      <c:spPr>
+        <a:noFill/>
+        <a:ln>
+          <a:noFill/>
+        </a:ln>
+        <a:effectLst/>
+      </c:spPr>
+      <c:txPr>
+        <a:bodyPr rot="0" spcFirstLastPara="1" vertOverflow="ellipsis" vert="horz" wrap="square" anchor="ctr" anchorCtr="1"/>
+        <a:lstStyle/>
+        <a:p>
+          <a:pPr>
+            <a:defRPr lang="en-US" sz="1800" b="0" i="0" u="none" strike="noStrike" kern="1200" baseline="0">
+              <a:solidFill>
+                <a:schemeClr val="tx1">
+                  <a:lumMod val="65000"/>
+                  <a:lumOff val="35000"/>
+                </a:schemeClr>
+              </a:solidFill>
+              <a:latin typeface="+mn-lt"/>
+              <a:ea typeface="+mn-ea"/>
+              <a:cs typeface="+mn-cs"/>
+            </a:defRPr>
+          </a:pPr>
+          <a:endParaRPr lang="en-US"/>
+        </a:p>
+      </c:txPr>
+    </c:legend>
+    <c:plotVisOnly val="1"/>
+    <c:dispBlanksAs val="gap"/>
+    <c:showDLblsOverMax val="0"/>
+  </c:chart>
+  <c:spPr>
+    <a:noFill/>
+    <a:ln>
+      <a:noFill/>
+    </a:ln>
+    <a:effectLst/>
+  </c:spPr>
+  <c:txPr>
+    <a:bodyPr/>
+    <a:lstStyle/>
+    <a:p>
+      <a:pPr>
+        <a:defRPr lang="en-US" sz="1800"/>
+      </a:pPr>
+      <a:endParaRPr lang="en-US"/>
+    </a:p>
+  </c:txPr>
+  <c:externalData r:id="rId3">
+    <c:autoUpdate val="0"/>
+  </c:externalData>
+</c:chartSpace>
+</file>
+
+<file path=ppt/charts/chart2.xml><?xml version="1.0" encoding="utf-8"?>
+<c:chartSpace xmlns:c="http://schemas.openxmlformats.org/drawingml/2006/chart" xmlns:a="http://schemas.openxmlformats.org/drawingml/2006/main" xmlns:r="http://schemas.openxmlformats.org/officeDocument/2006/relationships">
+  <c:date1904 val="0"/>
+  <c:lang val="en-US"/>
+  <c:roundedCorners val="0"/>
+  <mc:AlternateContent xmlns:mc="http://schemas.openxmlformats.org/markup-compatibility/2006">
+    <mc:Choice xmlns:c14="http://schemas.microsoft.com/office/drawing/2007/8/2/chart" Requires="c14">
+      <c14:style val="102"/>
+    </mc:Choice>
+    <mc:Fallback>
+      <c:style val="2"/>
+    </mc:Fallback>
+  </mc:AlternateContent>
+  <c:chart>
+    <c:title>
+      <c:tx>
+        <c:rich>
+          <a:bodyPr rot="0" spcFirstLastPara="1" vertOverflow="ellipsis" vert="horz" wrap="square" anchor="ctr" anchorCtr="1"/>
+          <a:lstStyle/>
+          <a:p>
+            <a:pPr>
+              <a:defRPr sz="2160" b="0" i="0" u="none" strike="noStrike" kern="1200" spc="0" baseline="0">
+                <a:solidFill>
+                  <a:schemeClr val="tx1">
+                    <a:lumMod val="65000"/>
+                    <a:lumOff val="35000"/>
+                  </a:schemeClr>
+                </a:solidFill>
+                <a:latin typeface="+mn-lt"/>
+                <a:ea typeface="+mn-ea"/>
+                <a:cs typeface="+mn-cs"/>
+              </a:defRPr>
+            </a:pPr>
+            <a:r>
+              <a:rPr lang="en-CA"/>
+              <a:t>Runtimes</a:t>
+            </a:r>
+          </a:p>
+        </c:rich>
+      </c:tx>
+      <c:layout/>
+      <c:overlay val="0"/>
+      <c:spPr>
+        <a:noFill/>
+        <a:ln>
+          <a:noFill/>
+        </a:ln>
+        <a:effectLst/>
+      </c:spPr>
+      <c:txPr>
+        <a:bodyPr rot="0" spcFirstLastPara="1" vertOverflow="ellipsis" vert="horz" wrap="square" anchor="ctr" anchorCtr="1"/>
+        <a:lstStyle/>
+        <a:p>
+          <a:pPr>
+            <a:defRPr sz="2160" b="0" i="0" u="none" strike="noStrike" kern="1200" spc="0" baseline="0">
               <a:solidFill>
                 <a:schemeClr val="tx1">
                   <a:lumMod val="65000"/>
@@ -543,11 +1112,11 @@
         </c:dLbls>
         <c:gapWidth val="219"/>
         <c:overlap val="-27"/>
-        <c:axId val="-1891409504"/>
-        <c:axId val="-1891410048"/>
+        <c:axId val="295163424"/>
+        <c:axId val="295169304"/>
       </c:barChart>
       <c:catAx>
-        <c:axId val="-1891409504"/>
+        <c:axId val="295163424"/>
         <c:scaling>
           <c:orientation val="minMax"/>
         </c:scaling>
@@ -575,7 +1144,7 @@
           <a:lstStyle/>
           <a:p>
             <a:pPr>
-              <a:defRPr sz="1197" b="0" i="0" u="none" strike="noStrike" kern="1200" baseline="0">
+              <a:defRPr sz="1800" b="0" i="0" u="none" strike="noStrike" kern="1200" baseline="0">
                 <a:solidFill>
                   <a:schemeClr val="tx1">
                     <a:lumMod val="65000"/>
@@ -590,7 +1159,7 @@
             <a:endParaRPr lang="en-US"/>
           </a:p>
         </c:txPr>
-        <c:crossAx val="-1891410048"/>
+        <c:crossAx val="295169304"/>
         <c:crosses val="autoZero"/>
         <c:auto val="1"/>
         <c:lblAlgn val="ctr"/>
@@ -598,7 +1167,7 @@
         <c:noMultiLvlLbl val="0"/>
       </c:catAx>
       <c:valAx>
-        <c:axId val="-1891410048"/>
+        <c:axId val="295169304"/>
         <c:scaling>
           <c:orientation val="minMax"/>
         </c:scaling>
@@ -634,7 +1203,7 @@
           <a:lstStyle/>
           <a:p>
             <a:pPr>
-              <a:defRPr sz="1197" b="0" i="0" u="none" strike="noStrike" kern="1200" baseline="0">
+              <a:defRPr sz="1800" b="0" i="0" u="none" strike="noStrike" kern="1200" baseline="0">
                 <a:solidFill>
                   <a:schemeClr val="tx1">
                     <a:lumMod val="65000"/>
@@ -649,7 +1218,7 @@
             <a:endParaRPr lang="en-US"/>
           </a:p>
         </c:txPr>
-        <c:crossAx val="-1891409504"/>
+        <c:crossAx val="295163424"/>
         <c:crosses val="autoZero"/>
         <c:crossBetween val="between"/>
       </c:valAx>
@@ -677,7 +1246,7 @@
         <a:lstStyle/>
         <a:p>
           <a:pPr>
-            <a:defRPr sz="1197" b="0" i="0" u="none" strike="noStrike" kern="1200" baseline="0">
+            <a:defRPr sz="1800" b="0" i="0" u="none" strike="noStrike" kern="1200" baseline="0">
               <a:solidFill>
                 <a:schemeClr val="tx1">
                   <a:lumMod val="65000"/>
@@ -709,7 +1278,7 @@
     <a:lstStyle/>
     <a:p>
       <a:pPr>
-        <a:defRPr/>
+        <a:defRPr sz="1800"/>
       </a:pPr>
       <a:endParaRPr lang="en-US"/>
     </a:p>
@@ -760,7 +1329,550 @@
 </cs:colorStyle>
 </file>
 
+<file path=ppt/charts/colors2.xml><?xml version="1.0" encoding="utf-8"?>
+<cs:colorStyle xmlns:cs="http://schemas.microsoft.com/office/drawing/2012/chartStyle" xmlns:a="http://schemas.openxmlformats.org/drawingml/2006/main" meth="cycle" id="10">
+  <a:schemeClr val="accent1"/>
+  <a:schemeClr val="accent2"/>
+  <a:schemeClr val="accent3"/>
+  <a:schemeClr val="accent4"/>
+  <a:schemeClr val="accent5"/>
+  <a:schemeClr val="accent6"/>
+  <cs:variation/>
+  <cs:variation>
+    <a:lumMod val="60000"/>
+  </cs:variation>
+  <cs:variation>
+    <a:lumMod val="80000"/>
+    <a:lumOff val="20000"/>
+  </cs:variation>
+  <cs:variation>
+    <a:lumMod val="80000"/>
+  </cs:variation>
+  <cs:variation>
+    <a:lumMod val="60000"/>
+    <a:lumOff val="40000"/>
+  </cs:variation>
+  <cs:variation>
+    <a:lumMod val="50000"/>
+  </cs:variation>
+  <cs:variation>
+    <a:lumMod val="70000"/>
+    <a:lumOff val="30000"/>
+  </cs:variation>
+  <cs:variation>
+    <a:lumMod val="70000"/>
+  </cs:variation>
+  <cs:variation>
+    <a:lumMod val="50000"/>
+    <a:lumOff val="50000"/>
+  </cs:variation>
+</cs:colorStyle>
+</file>
+
 <file path=ppt/charts/style1.xml><?xml version="1.0" encoding="utf-8"?>
+<cs:chartStyle xmlns:cs="http://schemas.microsoft.com/office/drawing/2012/chartStyle" xmlns:a="http://schemas.openxmlformats.org/drawingml/2006/main" id="201">
+  <cs:axisTitle>
+    <cs:lnRef idx="0"/>
+    <cs:fillRef idx="0"/>
+    <cs:effectRef idx="0"/>
+    <cs:fontRef idx="minor">
+      <a:schemeClr val="tx1">
+        <a:lumMod val="65000"/>
+        <a:lumOff val="35000"/>
+      </a:schemeClr>
+    </cs:fontRef>
+    <cs:defRPr sz="1000" kern="1200"/>
+  </cs:axisTitle>
+  <cs:categoryAxis>
+    <cs:lnRef idx="0"/>
+    <cs:fillRef idx="0"/>
+    <cs:effectRef idx="0"/>
+    <cs:fontRef idx="minor">
+      <a:schemeClr val="tx1">
+        <a:lumMod val="65000"/>
+        <a:lumOff val="35000"/>
+      </a:schemeClr>
+    </cs:fontRef>
+    <cs:spPr>
+      <a:ln w="9525" cap="flat" cmpd="sng" algn="ctr">
+        <a:solidFill>
+          <a:schemeClr val="tx1">
+            <a:lumMod val="15000"/>
+            <a:lumOff val="85000"/>
+          </a:schemeClr>
+        </a:solidFill>
+        <a:round/>
+      </a:ln>
+    </cs:spPr>
+    <cs:defRPr sz="900" kern="1200"/>
+  </cs:categoryAxis>
+  <cs:chartArea mods="allowNoFillOverride allowNoLineOverride">
+    <cs:lnRef idx="0"/>
+    <cs:fillRef idx="0"/>
+    <cs:effectRef idx="0"/>
+    <cs:fontRef idx="minor">
+      <a:schemeClr val="tx1"/>
+    </cs:fontRef>
+    <cs:spPr>
+      <a:solidFill>
+        <a:schemeClr val="bg1"/>
+      </a:solidFill>
+      <a:ln w="9525" cap="flat" cmpd="sng" algn="ctr">
+        <a:solidFill>
+          <a:schemeClr val="tx1">
+            <a:lumMod val="15000"/>
+            <a:lumOff val="85000"/>
+          </a:schemeClr>
+        </a:solidFill>
+        <a:round/>
+      </a:ln>
+    </cs:spPr>
+    <cs:defRPr sz="1000" kern="1200"/>
+  </cs:chartArea>
+  <cs:dataLabel>
+    <cs:lnRef idx="0"/>
+    <cs:fillRef idx="0"/>
+    <cs:effectRef idx="0"/>
+    <cs:fontRef idx="minor">
+      <a:schemeClr val="tx1">
+        <a:lumMod val="75000"/>
+        <a:lumOff val="25000"/>
+      </a:schemeClr>
+    </cs:fontRef>
+    <cs:defRPr sz="900" kern="1200"/>
+  </cs:dataLabel>
+  <cs:dataLabelCallout>
+    <cs:lnRef idx="0"/>
+    <cs:fillRef idx="0"/>
+    <cs:effectRef idx="0"/>
+    <cs:fontRef idx="minor">
+      <a:schemeClr val="dk1">
+        <a:lumMod val="65000"/>
+        <a:lumOff val="35000"/>
+      </a:schemeClr>
+    </cs:fontRef>
+    <cs:spPr>
+      <a:solidFill>
+        <a:schemeClr val="lt1"/>
+      </a:solidFill>
+      <a:ln>
+        <a:solidFill>
+          <a:schemeClr val="dk1">
+            <a:lumMod val="25000"/>
+            <a:lumOff val="75000"/>
+          </a:schemeClr>
+        </a:solidFill>
+      </a:ln>
+    </cs:spPr>
+    <cs:defRPr sz="900" kern="1200"/>
+    <cs:bodyPr rot="0" spcFirstLastPara="1" vertOverflow="clip" horzOverflow="clip" vert="horz" wrap="square" lIns="36576" tIns="18288" rIns="36576" bIns="18288" anchor="ctr" anchorCtr="1">
+      <a:spAutoFit/>
+    </cs:bodyPr>
+  </cs:dataLabelCallout>
+  <cs:dataPoint>
+    <cs:lnRef idx="0"/>
+    <cs:fillRef idx="1">
+      <cs:styleClr val="auto"/>
+    </cs:fillRef>
+    <cs:effectRef idx="0"/>
+    <cs:fontRef idx="minor">
+      <a:schemeClr val="tx1"/>
+    </cs:fontRef>
+  </cs:dataPoint>
+  <cs:dataPoint3D>
+    <cs:lnRef idx="0"/>
+    <cs:fillRef idx="1">
+      <cs:styleClr val="auto"/>
+    </cs:fillRef>
+    <cs:effectRef idx="0"/>
+    <cs:fontRef idx="minor">
+      <a:schemeClr val="tx1"/>
+    </cs:fontRef>
+  </cs:dataPoint3D>
+  <cs:dataPointLine>
+    <cs:lnRef idx="0">
+      <cs:styleClr val="auto"/>
+    </cs:lnRef>
+    <cs:fillRef idx="1"/>
+    <cs:effectRef idx="0"/>
+    <cs:fontRef idx="minor">
+      <a:schemeClr val="tx1"/>
+    </cs:fontRef>
+    <cs:spPr>
+      <a:ln w="28575" cap="rnd">
+        <a:solidFill>
+          <a:schemeClr val="phClr"/>
+        </a:solidFill>
+        <a:round/>
+      </a:ln>
+    </cs:spPr>
+  </cs:dataPointLine>
+  <cs:dataPointMarker>
+    <cs:lnRef idx="0">
+      <cs:styleClr val="auto"/>
+    </cs:lnRef>
+    <cs:fillRef idx="1">
+      <cs:styleClr val="auto"/>
+    </cs:fillRef>
+    <cs:effectRef idx="0"/>
+    <cs:fontRef idx="minor">
+      <a:schemeClr val="tx1"/>
+    </cs:fontRef>
+    <cs:spPr>
+      <a:ln w="9525">
+        <a:solidFill>
+          <a:schemeClr val="phClr"/>
+        </a:solidFill>
+      </a:ln>
+    </cs:spPr>
+  </cs:dataPointMarker>
+  <cs:dataPointMarkerLayout symbol="circle" size="5"/>
+  <cs:dataPointWireframe>
+    <cs:lnRef idx="0">
+      <cs:styleClr val="auto"/>
+    </cs:lnRef>
+    <cs:fillRef idx="1"/>
+    <cs:effectRef idx="0"/>
+    <cs:fontRef idx="minor">
+      <a:schemeClr val="tx1"/>
+    </cs:fontRef>
+    <cs:spPr>
+      <a:ln w="9525" cap="rnd">
+        <a:solidFill>
+          <a:schemeClr val="phClr"/>
+        </a:solidFill>
+        <a:round/>
+      </a:ln>
+    </cs:spPr>
+  </cs:dataPointWireframe>
+  <cs:dataTable>
+    <cs:lnRef idx="0"/>
+    <cs:fillRef idx="0"/>
+    <cs:effectRef idx="0"/>
+    <cs:fontRef idx="minor">
+      <a:schemeClr val="tx1">
+        <a:lumMod val="65000"/>
+        <a:lumOff val="35000"/>
+      </a:schemeClr>
+    </cs:fontRef>
+    <cs:spPr>
+      <a:noFill/>
+      <a:ln w="9525" cap="flat" cmpd="sng" algn="ctr">
+        <a:solidFill>
+          <a:schemeClr val="tx1">
+            <a:lumMod val="15000"/>
+            <a:lumOff val="85000"/>
+          </a:schemeClr>
+        </a:solidFill>
+        <a:round/>
+      </a:ln>
+    </cs:spPr>
+    <cs:defRPr sz="900" kern="1200"/>
+  </cs:dataTable>
+  <cs:downBar>
+    <cs:lnRef idx="0"/>
+    <cs:fillRef idx="0"/>
+    <cs:effectRef idx="0"/>
+    <cs:fontRef idx="minor">
+      <a:schemeClr val="dk1"/>
+    </cs:fontRef>
+    <cs:spPr>
+      <a:solidFill>
+        <a:schemeClr val="dk1">
+          <a:lumMod val="65000"/>
+          <a:lumOff val="35000"/>
+        </a:schemeClr>
+      </a:solidFill>
+      <a:ln w="9525">
+        <a:solidFill>
+          <a:schemeClr val="tx1">
+            <a:lumMod val="65000"/>
+            <a:lumOff val="35000"/>
+          </a:schemeClr>
+        </a:solidFill>
+      </a:ln>
+    </cs:spPr>
+  </cs:downBar>
+  <cs:dropLine>
+    <cs:lnRef idx="0"/>
+    <cs:fillRef idx="0"/>
+    <cs:effectRef idx="0"/>
+    <cs:fontRef idx="minor">
+      <a:schemeClr val="tx1"/>
+    </cs:fontRef>
+    <cs:spPr>
+      <a:ln w="9525" cap="flat" cmpd="sng" algn="ctr">
+        <a:solidFill>
+          <a:schemeClr val="tx1">
+            <a:lumMod val="35000"/>
+            <a:lumOff val="65000"/>
+          </a:schemeClr>
+        </a:solidFill>
+        <a:round/>
+      </a:ln>
+    </cs:spPr>
+  </cs:dropLine>
+  <cs:errorBar>
+    <cs:lnRef idx="0"/>
+    <cs:fillRef idx="0"/>
+    <cs:effectRef idx="0"/>
+    <cs:fontRef idx="minor">
+      <a:schemeClr val="tx1"/>
+    </cs:fontRef>
+    <cs:spPr>
+      <a:ln w="9525" cap="flat" cmpd="sng" algn="ctr">
+        <a:solidFill>
+          <a:schemeClr val="tx1">
+            <a:lumMod val="65000"/>
+            <a:lumOff val="35000"/>
+          </a:schemeClr>
+        </a:solidFill>
+        <a:round/>
+      </a:ln>
+    </cs:spPr>
+  </cs:errorBar>
+  <cs:floor>
+    <cs:lnRef idx="0"/>
+    <cs:fillRef idx="0"/>
+    <cs:effectRef idx="0"/>
+    <cs:fontRef idx="minor">
+      <a:schemeClr val="tx1"/>
+    </cs:fontRef>
+    <cs:spPr>
+      <a:noFill/>
+      <a:ln>
+        <a:noFill/>
+      </a:ln>
+    </cs:spPr>
+  </cs:floor>
+  <cs:gridlineMajor>
+    <cs:lnRef idx="0"/>
+    <cs:fillRef idx="0"/>
+    <cs:effectRef idx="0"/>
+    <cs:fontRef idx="minor">
+      <a:schemeClr val="tx1"/>
+    </cs:fontRef>
+    <cs:spPr>
+      <a:ln w="9525" cap="flat" cmpd="sng" algn="ctr">
+        <a:solidFill>
+          <a:schemeClr val="tx1">
+            <a:lumMod val="15000"/>
+            <a:lumOff val="85000"/>
+          </a:schemeClr>
+        </a:solidFill>
+        <a:round/>
+      </a:ln>
+    </cs:spPr>
+  </cs:gridlineMajor>
+  <cs:gridlineMinor>
+    <cs:lnRef idx="0"/>
+    <cs:fillRef idx="0"/>
+    <cs:effectRef idx="0"/>
+    <cs:fontRef idx="minor">
+      <a:schemeClr val="tx1"/>
+    </cs:fontRef>
+    <cs:spPr>
+      <a:ln w="9525" cap="flat" cmpd="sng" algn="ctr">
+        <a:solidFill>
+          <a:schemeClr val="tx1">
+            <a:lumMod val="5000"/>
+            <a:lumOff val="95000"/>
+          </a:schemeClr>
+        </a:solidFill>
+        <a:round/>
+      </a:ln>
+    </cs:spPr>
+  </cs:gridlineMinor>
+  <cs:hiLoLine>
+    <cs:lnRef idx="0"/>
+    <cs:fillRef idx="0"/>
+    <cs:effectRef idx="0"/>
+    <cs:fontRef idx="minor">
+      <a:schemeClr val="tx1"/>
+    </cs:fontRef>
+    <cs:spPr>
+      <a:ln w="9525" cap="flat" cmpd="sng" algn="ctr">
+        <a:solidFill>
+          <a:schemeClr val="tx1">
+            <a:lumMod val="75000"/>
+            <a:lumOff val="25000"/>
+          </a:schemeClr>
+        </a:solidFill>
+        <a:round/>
+      </a:ln>
+    </cs:spPr>
+  </cs:hiLoLine>
+  <cs:leaderLine>
+    <cs:lnRef idx="0"/>
+    <cs:fillRef idx="0"/>
+    <cs:effectRef idx="0"/>
+    <cs:fontRef idx="minor">
+      <a:schemeClr val="tx1"/>
+    </cs:fontRef>
+    <cs:spPr>
+      <a:ln w="9525" cap="flat" cmpd="sng" algn="ctr">
+        <a:solidFill>
+          <a:schemeClr val="tx1">
+            <a:lumMod val="35000"/>
+            <a:lumOff val="65000"/>
+          </a:schemeClr>
+        </a:solidFill>
+        <a:round/>
+      </a:ln>
+    </cs:spPr>
+  </cs:leaderLine>
+  <cs:legend>
+    <cs:lnRef idx="0"/>
+    <cs:fillRef idx="0"/>
+    <cs:effectRef idx="0"/>
+    <cs:fontRef idx="minor">
+      <a:schemeClr val="tx1">
+        <a:lumMod val="65000"/>
+        <a:lumOff val="35000"/>
+      </a:schemeClr>
+    </cs:fontRef>
+    <cs:defRPr sz="900" kern="1200"/>
+  </cs:legend>
+  <cs:plotArea mods="allowNoFillOverride allowNoLineOverride">
+    <cs:lnRef idx="0"/>
+    <cs:fillRef idx="0"/>
+    <cs:effectRef idx="0"/>
+    <cs:fontRef idx="minor">
+      <a:schemeClr val="tx1"/>
+    </cs:fontRef>
+  </cs:plotArea>
+  <cs:plotArea3D mods="allowNoFillOverride allowNoLineOverride">
+    <cs:lnRef idx="0"/>
+    <cs:fillRef idx="0"/>
+    <cs:effectRef idx="0"/>
+    <cs:fontRef idx="minor">
+      <a:schemeClr val="tx1"/>
+    </cs:fontRef>
+  </cs:plotArea3D>
+  <cs:seriesAxis>
+    <cs:lnRef idx="0"/>
+    <cs:fillRef idx="0"/>
+    <cs:effectRef idx="0"/>
+    <cs:fontRef idx="minor">
+      <a:schemeClr val="tx1">
+        <a:lumMod val="65000"/>
+        <a:lumOff val="35000"/>
+      </a:schemeClr>
+    </cs:fontRef>
+    <cs:defRPr sz="900" kern="1200"/>
+  </cs:seriesAxis>
+  <cs:seriesLine>
+    <cs:lnRef idx="0"/>
+    <cs:fillRef idx="0"/>
+    <cs:effectRef idx="0"/>
+    <cs:fontRef idx="minor">
+      <a:schemeClr val="tx1"/>
+    </cs:fontRef>
+    <cs:spPr>
+      <a:ln w="9525" cap="flat" cmpd="sng" algn="ctr">
+        <a:solidFill>
+          <a:schemeClr val="tx1">
+            <a:lumMod val="35000"/>
+            <a:lumOff val="65000"/>
+          </a:schemeClr>
+        </a:solidFill>
+        <a:round/>
+      </a:ln>
+    </cs:spPr>
+  </cs:seriesLine>
+  <cs:title>
+    <cs:lnRef idx="0"/>
+    <cs:fillRef idx="0"/>
+    <cs:effectRef idx="0"/>
+    <cs:fontRef idx="minor">
+      <a:schemeClr val="tx1">
+        <a:lumMod val="65000"/>
+        <a:lumOff val="35000"/>
+      </a:schemeClr>
+    </cs:fontRef>
+    <cs:defRPr sz="1400" b="0" kern="1200" spc="0" baseline="0"/>
+  </cs:title>
+  <cs:trendline>
+    <cs:lnRef idx="0">
+      <cs:styleClr val="auto"/>
+    </cs:lnRef>
+    <cs:fillRef idx="0"/>
+    <cs:effectRef idx="0"/>
+    <cs:fontRef idx="minor">
+      <a:schemeClr val="tx1"/>
+    </cs:fontRef>
+    <cs:spPr>
+      <a:ln w="19050" cap="rnd">
+        <a:solidFill>
+          <a:schemeClr val="phClr"/>
+        </a:solidFill>
+        <a:prstDash val="sysDot"/>
+      </a:ln>
+    </cs:spPr>
+  </cs:trendline>
+  <cs:trendlineLabel>
+    <cs:lnRef idx="0"/>
+    <cs:fillRef idx="0"/>
+    <cs:effectRef idx="0"/>
+    <cs:fontRef idx="minor">
+      <a:schemeClr val="tx1">
+        <a:lumMod val="65000"/>
+        <a:lumOff val="35000"/>
+      </a:schemeClr>
+    </cs:fontRef>
+    <cs:defRPr sz="900" kern="1200"/>
+  </cs:trendlineLabel>
+  <cs:upBar>
+    <cs:lnRef idx="0"/>
+    <cs:fillRef idx="0"/>
+    <cs:effectRef idx="0"/>
+    <cs:fontRef idx="minor">
+      <a:schemeClr val="dk1"/>
+    </cs:fontRef>
+    <cs:spPr>
+      <a:solidFill>
+        <a:schemeClr val="lt1"/>
+      </a:solidFill>
+      <a:ln w="9525">
+        <a:solidFill>
+          <a:schemeClr val="tx1">
+            <a:lumMod val="15000"/>
+            <a:lumOff val="85000"/>
+          </a:schemeClr>
+        </a:solidFill>
+      </a:ln>
+    </cs:spPr>
+  </cs:upBar>
+  <cs:valueAxis>
+    <cs:lnRef idx="0"/>
+    <cs:fillRef idx="0"/>
+    <cs:effectRef idx="0"/>
+    <cs:fontRef idx="minor">
+      <a:schemeClr val="tx1">
+        <a:lumMod val="65000"/>
+        <a:lumOff val="35000"/>
+      </a:schemeClr>
+    </cs:fontRef>
+    <cs:defRPr sz="900" kern="1200"/>
+  </cs:valueAxis>
+  <cs:wall>
+    <cs:lnRef idx="0"/>
+    <cs:fillRef idx="0"/>
+    <cs:effectRef idx="0"/>
+    <cs:fontRef idx="minor">
+      <a:schemeClr val="tx1"/>
+    </cs:fontRef>
+    <cs:spPr>
+      <a:noFill/>
+      <a:ln>
+        <a:noFill/>
+      </a:ln>
+    </cs:spPr>
+  </cs:wall>
+</cs:chartStyle>
+</file>
+
+<file path=ppt/charts/style2.xml><?xml version="1.0" encoding="utf-8"?>
 <cs:chartStyle xmlns:cs="http://schemas.microsoft.com/office/drawing/2012/chartStyle" xmlns:a="http://schemas.openxmlformats.org/drawingml/2006/main" id="201">
   <cs:axisTitle>
     <cs:lnRef idx="0"/>
@@ -1439,7 +2551,7 @@
           <a:p>
             <a:fld id="{785628BC-F588-477D-AB5D-EAE24F884D36}" type="datetimeFigureOut">
               <a:rPr lang="en-US" smtClean="0"/>
-              <a:t>11/30/2014</a:t>
+              <a:t>12/1/2014</a:t>
             </a:fld>
             <a:endParaRPr lang="en-US"/>
           </a:p>
@@ -1609,7 +2721,7 @@
           <a:p>
             <a:fld id="{785628BC-F588-477D-AB5D-EAE24F884D36}" type="datetimeFigureOut">
               <a:rPr lang="en-US" smtClean="0"/>
-              <a:t>11/30/2014</a:t>
+              <a:t>12/1/2014</a:t>
             </a:fld>
             <a:endParaRPr lang="en-US"/>
           </a:p>
@@ -1832,7 +2944,7 @@
           <a:p>
             <a:fld id="{785628BC-F588-477D-AB5D-EAE24F884D36}" type="datetimeFigureOut">
               <a:rPr lang="en-US" smtClean="0"/>
-              <a:t>11/30/2014</a:t>
+              <a:t>12/1/2014</a:t>
             </a:fld>
             <a:endParaRPr lang="en-US"/>
           </a:p>
@@ -2012,7 +3124,7 @@
           <a:p>
             <a:fld id="{785628BC-F588-477D-AB5D-EAE24F884D36}" type="datetimeFigureOut">
               <a:rPr lang="en-US" smtClean="0"/>
-              <a:t>11/30/2014</a:t>
+              <a:t>12/1/2014</a:t>
             </a:fld>
             <a:endParaRPr lang="en-US"/>
           </a:p>
@@ -2318,7 +3430,7 @@
           <a:p>
             <a:fld id="{785628BC-F588-477D-AB5D-EAE24F884D36}" type="datetimeFigureOut">
               <a:rPr lang="en-US" smtClean="0"/>
-              <a:t>11/30/2014</a:t>
+              <a:t>12/1/2014</a:t>
             </a:fld>
             <a:endParaRPr lang="en-US"/>
           </a:p>
@@ -2622,7 +3734,7 @@
           <a:p>
             <a:fld id="{785628BC-F588-477D-AB5D-EAE24F884D36}" type="datetimeFigureOut">
               <a:rPr lang="en-US" smtClean="0"/>
-              <a:t>11/30/2014</a:t>
+              <a:t>12/1/2014</a:t>
             </a:fld>
             <a:endParaRPr lang="en-US"/>
           </a:p>
@@ -3044,7 +4156,7 @@
           <a:p>
             <a:fld id="{785628BC-F588-477D-AB5D-EAE24F884D36}" type="datetimeFigureOut">
               <a:rPr lang="en-US" smtClean="0"/>
-              <a:t>11/30/2014</a:t>
+              <a:t>12/1/2014</a:t>
             </a:fld>
             <a:endParaRPr lang="en-US"/>
           </a:p>
@@ -3162,7 +4274,7 @@
           <a:p>
             <a:fld id="{785628BC-F588-477D-AB5D-EAE24F884D36}" type="datetimeFigureOut">
               <a:rPr lang="en-US" smtClean="0"/>
-              <a:t>11/30/2014</a:t>
+              <a:t>12/1/2014</a:t>
             </a:fld>
             <a:endParaRPr lang="en-US"/>
           </a:p>
@@ -3257,7 +4369,7 @@
           <a:p>
             <a:fld id="{785628BC-F588-477D-AB5D-EAE24F884D36}" type="datetimeFigureOut">
               <a:rPr lang="en-US" smtClean="0"/>
-              <a:t>11/30/2014</a:t>
+              <a:t>12/1/2014</a:t>
             </a:fld>
             <a:endParaRPr lang="en-US"/>
           </a:p>
@@ -3530,7 +4642,7 @@
           <a:p>
             <a:fld id="{785628BC-F588-477D-AB5D-EAE24F884D36}" type="datetimeFigureOut">
               <a:rPr lang="en-US" smtClean="0"/>
-              <a:t>11/30/2014</a:t>
+              <a:t>12/1/2014</a:t>
             </a:fld>
             <a:endParaRPr lang="en-US"/>
           </a:p>
@@ -3795,7 +4907,7 @@
           <a:p>
             <a:fld id="{785628BC-F588-477D-AB5D-EAE24F884D36}" type="datetimeFigureOut">
               <a:rPr lang="en-US" smtClean="0"/>
-              <a:t>11/30/2014</a:t>
+              <a:t>12/1/2014</a:t>
             </a:fld>
             <a:endParaRPr lang="en-US"/>
           </a:p>
@@ -4044,7 +5156,7 @@
           <a:p>
             <a:fld id="{785628BC-F588-477D-AB5D-EAE24F884D36}" type="datetimeFigureOut">
               <a:rPr lang="en-US" smtClean="0"/>
-              <a:t>11/30/2014</a:t>
+              <a:t>12/1/2014</a:t>
             </a:fld>
             <a:endParaRPr lang="en-US"/>
           </a:p>
@@ -4576,15 +5688,15 @@
               <a:t>Vincent </a:t>
             </a:r>
             <a:r>
+              <a:rPr lang="en-US" dirty="0" smtClean="0"/>
+              <a:t>Petrella</a:t>
+            </a:r>
+            <a:endParaRPr lang="en-US" dirty="0" smtClean="0"/>
+          </a:p>
+          <a:p>
+            <a:r>
               <a:rPr lang="en-US" dirty="0" err="1" smtClean="0"/>
-              <a:t>Pedrella</a:t>
-            </a:r>
-            <a:endParaRPr lang="en-US" dirty="0" smtClean="0"/>
-          </a:p>
-          <a:p>
-            <a:r>
-              <a:rPr lang="en-US" dirty="0" err="1" smtClean="0"/>
-              <a:t>Vasily</a:t>
+              <a:t>Vaselyne</a:t>
             </a:r>
             <a:r>
               <a:rPr lang="en-US" dirty="0" smtClean="0"/>
@@ -4705,8 +5817,29 @@
           <a:p>
             <a:r>
               <a:rPr lang="en-US" dirty="0" smtClean="0"/>
-              <a:t>Focus of the project is to compute the hash efficiently using parallelism</a:t>
-            </a:r>
+              <a:t>Focus of the project is to compute the hash efficiently </a:t>
+            </a:r>
+            <a:r>
+              <a:rPr lang="en-US" dirty="0" smtClean="0"/>
+              <a:t>in parallel using </a:t>
+            </a:r>
+            <a:r>
+              <a:rPr lang="en-US" dirty="0" err="1" smtClean="0"/>
+              <a:t>openCL</a:t>
+            </a:r>
+            <a:r>
+              <a:rPr lang="en-US" dirty="0" smtClean="0"/>
+              <a:t> for the image FFT and </a:t>
+            </a:r>
+            <a:r>
+              <a:rPr lang="en-US" dirty="0" err="1" smtClean="0"/>
+              <a:t>openMP</a:t>
+            </a:r>
+            <a:r>
+              <a:rPr lang="en-US" dirty="0" smtClean="0"/>
+              <a:t> for the hash computations.</a:t>
+            </a:r>
+            <a:endParaRPr lang="en-US" dirty="0" smtClean="0"/>
           </a:p>
           <a:p>
             <a:endParaRPr lang="en-US" dirty="0"/>
@@ -4825,11 +5958,7 @@
                 </a:r>
                 <a:r>
                   <a:rPr lang="en-US" dirty="0" smtClean="0"/>
-                  <a:t> API for all-purpose computing on GPUs</a:t>
-                </a:r>
-                <a:r>
-                  <a:rPr lang="en-US" dirty="0" smtClean="0"/>
-                  <a:t>.</a:t>
+                  <a:t> API for all-purpose computing on GPUs.</a:t>
                 </a:r>
               </a:p>
               <a:p>
@@ -4848,33 +5977,12 @@
                   <a:rPr lang="en-US" dirty="0" smtClean="0"/>
                   <a:t> implementation of FFT, which has complexity </a:t>
                 </a:r>
+                <a:r>
+                  <a:rPr lang="en-US" dirty="0" smtClean="0"/>
+                  <a:t>N </a:t>
+                </a:r>
                 <a14:m>
                   <m:oMath xmlns:m="http://schemas.openxmlformats.org/officeDocument/2006/math">
-                    <m:sSup>
-                      <m:sSupPr>
-                        <m:ctrlPr>
-                          <a:rPr lang="en-US" b="0" i="1" smtClean="0">
-                            <a:latin typeface="Cambria Math" panose="02040503050406030204" pitchFamily="18" charset="0"/>
-                          </a:rPr>
-                        </m:ctrlPr>
-                      </m:sSupPr>
-                      <m:e>
-                        <m:r>
-                          <a:rPr lang="en-US" b="0" i="1" smtClean="0">
-                            <a:latin typeface="Cambria Math" panose="02040503050406030204" pitchFamily="18" charset="0"/>
-                          </a:rPr>
-                          <m:t>𝑁</m:t>
-                        </m:r>
-                      </m:e>
-                      <m:sup>
-                        <m:r>
-                          <a:rPr lang="en-US" b="0" i="1" smtClean="0">
-                            <a:latin typeface="Cambria Math" panose="02040503050406030204" pitchFamily="18" charset="0"/>
-                          </a:rPr>
-                          <m:t>2</m:t>
-                        </m:r>
-                      </m:sup>
-                    </m:sSup>
                     <m:func>
                       <m:funcPr>
                         <m:ctrlPr>
@@ -5027,33 +6135,31 @@
           </a:p>
         </p:txBody>
       </p:sp>
-      <p:sp>
-        <p:nvSpPr>
-          <p:cNvPr id="3" name="Content Placeholder 2"/>
-          <p:cNvSpPr>
-            <a:spLocks noGrp="1"/>
-          </p:cNvSpPr>
+      <p:graphicFrame>
+        <p:nvGraphicFramePr>
+          <p:cNvPr id="4" name="Content Placeholder 3"/>
+          <p:cNvGraphicFramePr>
+            <a:graphicFrameLocks noGrp="1"/>
+          </p:cNvGraphicFramePr>
           <p:nvPr>
             <p:ph idx="1"/>
-          </p:nvPr>
-        </p:nvSpPr>
-        <p:spPr/>
-        <p:txBody>
-          <a:bodyPr/>
-          <a:lstStyle/>
-          <a:p>
-            <a:r>
-              <a:rPr lang="en-CA" dirty="0" smtClean="0"/>
-              <a:t>TODO Vincent/</a:t>
-            </a:r>
-            <a:r>
-              <a:rPr lang="en-CA" dirty="0" err="1" smtClean="0"/>
-              <a:t>Vasily</a:t>
-            </a:r>
-            <a:endParaRPr lang="en-CA" dirty="0"/>
-          </a:p>
-        </p:txBody>
-      </p:sp>
+            <p:extLst>
+              <p:ext uri="{D42A27DB-BD31-4B8C-83A1-F6EECF244321}">
+                <p14:modId xmlns:p14="http://schemas.microsoft.com/office/powerpoint/2010/main" val="2996144190"/>
+              </p:ext>
+            </p:extLst>
+          </p:nvPr>
+        </p:nvGraphicFramePr>
+        <p:xfrm>
+          <a:off x="1203325" y="2011363"/>
+          <a:ext cx="9783763" cy="4206875"/>
+        </p:xfrm>
+        <a:graphic>
+          <a:graphicData uri="http://schemas.openxmlformats.org/drawingml/2006/chart">
+            <c:chart xmlns:c="http://schemas.openxmlformats.org/drawingml/2006/chart" xmlns:r="http://schemas.openxmlformats.org/officeDocument/2006/relationships" r:id="rId2"/>
+          </a:graphicData>
+        </a:graphic>
+      </p:graphicFrame>
     </p:spTree>
     <p:extLst>
       <p:ext uri="{BB962C8B-B14F-4D97-AF65-F5344CB8AC3E}">
@@ -5126,100 +6232,215 @@
           <a:p>
             <a:r>
               <a:rPr lang="en-US" dirty="0" smtClean="0"/>
-              <a:t>Once the frequency domain is computed using FFT, the hashing algorithm is </a:t>
-            </a:r>
+              <a:t>Once the frequency domain is computed using FFT, the hashing algorithm is performed on the resulting matrix.</a:t>
+            </a:r>
+          </a:p>
+          <a:p>
             <a:r>
               <a:rPr lang="en-US" dirty="0" smtClean="0"/>
-              <a:t>performed on the resulting matrix.</a:t>
-            </a:r>
-            <a:endParaRPr lang="en-US" dirty="0" smtClean="0"/>
-          </a:p>
-          <a:p>
-            <a:r>
-              <a:rPr lang="en-US" dirty="0" smtClean="0"/>
-              <a:t>Gives bigger importance to lower frequency components since they contain </a:t>
-            </a:r>
-            <a:r>
-              <a:rPr lang="en-US" dirty="0" smtClean="0"/>
-              <a:t>a large </a:t>
-            </a:r>
-            <a:r>
-              <a:rPr lang="en-US" dirty="0" smtClean="0"/>
-              <a:t>amount of information from the image</a:t>
-            </a:r>
-            <a:r>
-              <a:rPr lang="en-US" dirty="0" smtClean="0"/>
-              <a:t>.</a:t>
-            </a:r>
-            <a:endParaRPr lang="en-US" dirty="0" smtClean="0"/>
+              <a:t>Gives bigger importance to lower frequency components since they contain a large amount of information from the image.</a:t>
+            </a:r>
           </a:p>
           <a:p>
             <a:r>
               <a:rPr lang="en-US" dirty="0" smtClean="0"/>
               <a:t>These components will stay stable if image changes slightly. This is not usually the case for spatial domain.</a:t>
             </a:r>
-            <a:endParaRPr lang="en-US" dirty="0" smtClean="0"/>
           </a:p>
         </p:txBody>
       </p:sp>
-      <p:pic>
-        <p:nvPicPr>
-          <p:cNvPr id="4" name="Picture 3"/>
-          <p:cNvPicPr>
-            <a:picLocks noChangeAspect="1"/>
-          </p:cNvPicPr>
-          <p:nvPr/>
-        </p:nvPicPr>
-        <p:blipFill rotWithShape="1">
-          <a:blip r:embed="rId2" cstate="print">
-            <a:extLst>
-              <a:ext uri="{28A0092B-C50C-407E-A947-70E740481C1C}">
-                <a14:useLocalDpi xmlns:a14="http://schemas.microsoft.com/office/drawing/2010/main" val="0"/>
-              </a:ext>
-            </a:extLst>
-          </a:blip>
-          <a:srcRect t="8617"/>
-          <a:stretch/>
-        </p:blipFill>
-        <p:spPr>
-          <a:xfrm>
-            <a:off x="1353840" y="4643020"/>
-            <a:ext cx="4349883" cy="1793643"/>
-          </a:xfrm>
-          <a:prstGeom prst="rect">
-            <a:avLst/>
-          </a:prstGeom>
-        </p:spPr>
-      </p:pic>
-      <p:pic>
-        <p:nvPicPr>
-          <p:cNvPr id="6" name="Picture 5"/>
-          <p:cNvPicPr>
-            <a:picLocks noChangeAspect="1"/>
-          </p:cNvPicPr>
-          <p:nvPr/>
-        </p:nvPicPr>
-        <p:blipFill rotWithShape="1">
-          <a:blip r:embed="rId3" cstate="print">
-            <a:extLst>
-              <a:ext uri="{28A0092B-C50C-407E-A947-70E740481C1C}">
-                <a14:useLocalDpi xmlns:a14="http://schemas.microsoft.com/office/drawing/2010/main" val="0"/>
-              </a:ext>
-            </a:extLst>
-          </a:blip>
-          <a:srcRect t="10289" b="4477"/>
-          <a:stretch/>
-        </p:blipFill>
-        <p:spPr>
-          <a:xfrm>
-            <a:off x="6578353" y="4643021"/>
-            <a:ext cx="4181854" cy="1748902"/>
-          </a:xfrm>
-          <a:prstGeom prst="rect">
-            <a:avLst/>
-          </a:prstGeom>
-        </p:spPr>
-      </p:pic>
+      <p:graphicFrame>
+        <p:nvGraphicFramePr>
+          <p:cNvPr id="5" name="Table 4"/>
+          <p:cNvGraphicFramePr>
+            <a:graphicFrameLocks noGrp="1"/>
+          </p:cNvGraphicFramePr>
+          <p:nvPr>
+            <p:extLst>
+              <p:ext uri="{D42A27DB-BD31-4B8C-83A1-F6EECF244321}">
+                <p14:modId xmlns:p14="http://schemas.microsoft.com/office/powerpoint/2010/main" val="2123184586"/>
+              </p:ext>
+            </p:extLst>
+          </p:nvPr>
+        </p:nvGraphicFramePr>
+        <p:xfrm>
+          <a:off x="5778810" y="4433022"/>
+          <a:ext cx="2852235" cy="2235408"/>
+        </p:xfrm>
+        <a:graphic>
+          <a:graphicData uri="http://schemas.openxmlformats.org/drawingml/2006/table">
+            <a:tbl>
+              <a:tblPr firstRow="1" bandRow="1">
+                <a:tableStyleId>{5C22544A-7EE6-4342-B048-85BDC9FD1C3A}</a:tableStyleId>
+              </a:tblPr>
+              <a:tblGrid>
+                <a:gridCol w="950745"/>
+                <a:gridCol w="950745"/>
+                <a:gridCol w="950745"/>
+              </a:tblGrid>
+              <a:tr h="745136">
+                <a:tc>
+                  <a:txBody>
+                    <a:bodyPr/>
+                    <a:lstStyle/>
+                    <a:p>
+                      <a:endParaRPr lang="en-US" dirty="0"/>
+                    </a:p>
+                  </a:txBody>
+                  <a:tcPr>
+                    <a:solidFill>
+                      <a:srgbClr val="FF0000"/>
+                    </a:solidFill>
+                  </a:tcPr>
+                </a:tc>
+                <a:tc>
+                  <a:txBody>
+                    <a:bodyPr/>
+                    <a:lstStyle/>
+                    <a:p>
+                      <a:endParaRPr lang="en-US" dirty="0">
+                        <a:ln>
+                          <a:solidFill>
+                            <a:srgbClr val="0070C0"/>
+                          </a:solidFill>
+                        </a:ln>
+                      </a:endParaRPr>
+                    </a:p>
+                  </a:txBody>
+                  <a:tcPr>
+                    <a:solidFill>
+                      <a:srgbClr val="FFC000"/>
+                    </a:solidFill>
+                  </a:tcPr>
+                </a:tc>
+                <a:tc>
+                  <a:txBody>
+                    <a:bodyPr/>
+                    <a:lstStyle/>
+                    <a:p>
+                      <a:endParaRPr lang="en-US" dirty="0"/>
+                    </a:p>
+                  </a:txBody>
+                  <a:tcPr>
+                    <a:solidFill>
+                      <a:schemeClr val="accent1">
+                        <a:lumMod val="20000"/>
+                        <a:lumOff val="80000"/>
+                      </a:schemeClr>
+                    </a:solidFill>
+                  </a:tcPr>
+                </a:tc>
+              </a:tr>
+              <a:tr h="745136">
+                <a:tc>
+                  <a:txBody>
+                    <a:bodyPr/>
+                    <a:lstStyle/>
+                    <a:p>
+                      <a:endParaRPr lang="en-US" dirty="0"/>
+                    </a:p>
+                  </a:txBody>
+                  <a:tcPr>
+                    <a:solidFill>
+                      <a:srgbClr val="FFC000"/>
+                    </a:solidFill>
+                  </a:tcPr>
+                </a:tc>
+                <a:tc>
+                  <a:txBody>
+                    <a:bodyPr/>
+                    <a:lstStyle/>
+                    <a:p>
+                      <a:endParaRPr lang="en-US" dirty="0">
+                        <a:ln>
+                          <a:solidFill>
+                            <a:srgbClr val="0070C0"/>
+                          </a:solidFill>
+                        </a:ln>
+                      </a:endParaRPr>
+                    </a:p>
+                  </a:txBody>
+                  <a:tcPr>
+                    <a:solidFill>
+                      <a:srgbClr val="FFC000"/>
+                    </a:solidFill>
+                  </a:tcPr>
+                </a:tc>
+                <a:tc>
+                  <a:txBody>
+                    <a:bodyPr/>
+                    <a:lstStyle/>
+                    <a:p>
+                      <a:endParaRPr lang="en-US" dirty="0"/>
+                    </a:p>
+                  </a:txBody>
+                  <a:tcPr>
+                    <a:solidFill>
+                      <a:schemeClr val="accent1">
+                        <a:lumMod val="20000"/>
+                        <a:lumOff val="80000"/>
+                      </a:schemeClr>
+                    </a:solidFill>
+                  </a:tcPr>
+                </a:tc>
+              </a:tr>
+              <a:tr h="745136">
+                <a:tc>
+                  <a:txBody>
+                    <a:bodyPr/>
+                    <a:lstStyle/>
+                    <a:p>
+                      <a:endParaRPr lang="en-US" dirty="0"/>
+                    </a:p>
+                  </a:txBody>
+                  <a:tcPr>
+                    <a:solidFill>
+                      <a:schemeClr val="accent1">
+                        <a:lumMod val="20000"/>
+                        <a:lumOff val="80000"/>
+                      </a:schemeClr>
+                    </a:solidFill>
+                  </a:tcPr>
+                </a:tc>
+                <a:tc>
+                  <a:txBody>
+                    <a:bodyPr/>
+                    <a:lstStyle/>
+                    <a:p>
+                      <a:endParaRPr lang="en-US" dirty="0"/>
+                    </a:p>
+                  </a:txBody>
+                  <a:tcPr>
+                    <a:solidFill>
+                      <a:schemeClr val="accent1">
+                        <a:lumMod val="20000"/>
+                        <a:lumOff val="80000"/>
+                      </a:schemeClr>
+                    </a:solidFill>
+                  </a:tcPr>
+                </a:tc>
+                <a:tc>
+                  <a:txBody>
+                    <a:bodyPr/>
+                    <a:lstStyle/>
+                    <a:p>
+                      <a:endParaRPr lang="en-US" dirty="0"/>
+                    </a:p>
+                  </a:txBody>
+                  <a:tcPr>
+                    <a:solidFill>
+                      <a:schemeClr val="accent1">
+                        <a:lumMod val="20000"/>
+                        <a:lumOff val="80000"/>
+                      </a:schemeClr>
+                    </a:solidFill>
+                  </a:tcPr>
+                </a:tc>
+              </a:tr>
+            </a:tbl>
+          </a:graphicData>
+        </a:graphic>
+      </p:graphicFrame>
     </p:spTree>
     <p:extLst>
       <p:ext uri="{BB962C8B-B14F-4D97-AF65-F5344CB8AC3E}">
@@ -6074,7 +7295,7 @@
             <p:ph idx="1"/>
             <p:extLst>
               <p:ext uri="{D42A27DB-BD31-4B8C-83A1-F6EECF244321}">
-                <p14:modId xmlns:p14="http://schemas.microsoft.com/office/powerpoint/2010/main" val="3011650935"/>
+                <p14:modId xmlns:p14="http://schemas.microsoft.com/office/powerpoint/2010/main" val="2709095916"/>
               </p:ext>
             </p:extLst>
           </p:nvPr>
@@ -6166,8 +7387,25 @@
           <a:p>
             <a:r>
               <a:rPr lang="en-US" dirty="0" smtClean="0"/>
-              <a:t>The initial idea was to implement the Fisher faces algorithm for facial recognition but due to the time constraints we had to simplify our goals.</a:t>
-            </a:r>
+              <a:t>An improvement to our algorithm would </a:t>
+            </a:r>
+            <a:r>
+              <a:rPr lang="en-US" dirty="0" smtClean="0"/>
+              <a:t>be to implement </a:t>
+            </a:r>
+            <a:r>
+              <a:rPr lang="en-US" dirty="0" smtClean="0"/>
+              <a:t>the </a:t>
+            </a:r>
+            <a:r>
+              <a:rPr lang="en-US" dirty="0" smtClean="0"/>
+              <a:t>Fisher faces algorithm for </a:t>
+            </a:r>
+            <a:r>
+              <a:rPr lang="en-US" dirty="0" smtClean="0"/>
+              <a:t>facial.</a:t>
+            </a:r>
+            <a:endParaRPr lang="en-US" dirty="0" smtClean="0"/>
           </a:p>
           <a:p>
             <a:endParaRPr lang="en-US" dirty="0"/>
@@ -6192,25 +7430,8 @@
             </a:r>
             <a:r>
               <a:rPr lang="en-US" dirty="0" smtClean="0"/>
-              <a:t> to parallelize the hashing part is not worth </a:t>
-            </a:r>
-            <a:r>
-              <a:rPr lang="en-US" dirty="0" smtClean="0"/>
-              <a:t>it </a:t>
-            </a:r>
-            <a:r>
-              <a:rPr lang="en-US" dirty="0" smtClean="0"/>
-              <a:t>since </a:t>
-            </a:r>
-            <a:r>
-              <a:rPr lang="en-US" dirty="0" smtClean="0"/>
-              <a:t>the </a:t>
-            </a:r>
-            <a:r>
-              <a:rPr lang="en-US" dirty="0" smtClean="0"/>
-              <a:t>parallelized computations are very simple (multiplication) and the communication overhead is too large.</a:t>
-            </a:r>
-            <a:endParaRPr lang="en-US" dirty="0" smtClean="0"/>
+              <a:t> to parallelize the hashing part is not worth it since the parallelized computations are very simple (multiplication) and the communication overhead is too large.</a:t>
+            </a:r>
           </a:p>
         </p:txBody>
       </p:sp>

--- a/results/presentation_draft.pptx
+++ b/results/presentation_draft.pptx
@@ -8,12 +8,13 @@
     <p:sldId id="256" r:id="rId2"/>
     <p:sldId id="257" r:id="rId3"/>
     <p:sldId id="259" r:id="rId4"/>
-    <p:sldId id="264" r:id="rId5"/>
-    <p:sldId id="260" r:id="rId6"/>
-    <p:sldId id="263" r:id="rId7"/>
-    <p:sldId id="258" r:id="rId8"/>
-    <p:sldId id="261" r:id="rId9"/>
-    <p:sldId id="262" r:id="rId10"/>
+    <p:sldId id="265" r:id="rId5"/>
+    <p:sldId id="264" r:id="rId6"/>
+    <p:sldId id="260" r:id="rId7"/>
+    <p:sldId id="263" r:id="rId8"/>
+    <p:sldId id="258" r:id="rId9"/>
+    <p:sldId id="261" r:id="rId10"/>
+    <p:sldId id="262" r:id="rId11"/>
   </p:sldIdLst>
   <p:sldSz cx="12192000" cy="6858000"/>
   <p:notesSz cx="6858000" cy="9144000"/>
@@ -219,60 +220,18 @@
               <c:layout/>
               <c:tx>
                 <c:rich>
-                  <a:bodyPr rot="0" spcFirstLastPara="1" vertOverflow="ellipsis" vert="horz" wrap="square" anchor="ctr" anchorCtr="1"/>
+                  <a:bodyPr/>
                   <a:lstStyle/>
                   <a:p>
-                    <a:pPr>
-                      <a:defRPr lang="en-US" sz="1800" b="0" i="0" u="none" strike="noStrike" kern="1200" baseline="0">
-                        <a:solidFill>
-                          <a:schemeClr val="tx1">
-                            <a:lumMod val="75000"/>
-                            <a:lumOff val="25000"/>
-                          </a:schemeClr>
-                        </a:solidFill>
-                        <a:latin typeface="+mn-lt"/>
-                        <a:ea typeface="+mn-ea"/>
-                        <a:cs typeface="+mn-cs"/>
-                      </a:defRPr>
-                    </a:pPr>
                     <a:fld id="{EEC6EAEB-FCA5-42D9-95AA-200DD719383C}" type="VALUE">
                       <a:rPr lang="en-US"/>
-                      <a:pPr>
-                        <a:defRPr/>
-                      </a:pPr>
+                      <a:pPr/>
                       <a:t>[VALUE]</a:t>
                     </a:fld>
                     <a:endParaRPr lang="en-US"/>
                   </a:p>
                 </c:rich>
               </c:tx>
-              <c:spPr>
-                <a:noFill/>
-                <a:ln>
-                  <a:noFill/>
-                </a:ln>
-                <a:effectLst/>
-              </c:spPr>
-              <c:txPr>
-                <a:bodyPr rot="0" spcFirstLastPara="1" vertOverflow="ellipsis" vert="horz" wrap="square" anchor="ctr" anchorCtr="1"/>
-                <a:lstStyle/>
-                <a:p>
-                  <a:pPr>
-                    <a:defRPr lang="en-US" sz="1800" b="0" i="0" u="none" strike="noStrike" kern="1200" baseline="0">
-                      <a:solidFill>
-                        <a:schemeClr val="tx1">
-                          <a:lumMod val="75000"/>
-                          <a:lumOff val="25000"/>
-                        </a:schemeClr>
-                      </a:solidFill>
-                      <a:latin typeface="+mn-lt"/>
-                      <a:ea typeface="+mn-ea"/>
-                      <a:cs typeface="+mn-cs"/>
-                    </a:defRPr>
-                  </a:pPr>
-                  <a:endParaRPr lang="en-US"/>
-                </a:p>
-              </c:txPr>
               <c:dLblPos val="outEnd"/>
               <c:showLegendKey val="0"/>
               <c:showVal val="1"/>
@@ -513,11 +472,11 @@
         </c:dLbls>
         <c:gapWidth val="219"/>
         <c:overlap val="-27"/>
-        <c:axId val="352177624"/>
-        <c:axId val="352173704"/>
+        <c:axId val="-1961258016"/>
+        <c:axId val="-1961252576"/>
       </c:barChart>
       <c:catAx>
-        <c:axId val="352177624"/>
+        <c:axId val="-1961258016"/>
         <c:scaling>
           <c:orientation val="minMax"/>
         </c:scaling>
@@ -560,7 +519,7 @@
             <a:endParaRPr lang="en-US"/>
           </a:p>
         </c:txPr>
-        <c:crossAx val="352173704"/>
+        <c:crossAx val="-1961252576"/>
         <c:crosses val="autoZero"/>
         <c:auto val="1"/>
         <c:lblAlgn val="ctr"/>
@@ -568,7 +527,7 @@
         <c:noMultiLvlLbl val="0"/>
       </c:catAx>
       <c:valAx>
-        <c:axId val="352173704"/>
+        <c:axId val="-1961252576"/>
         <c:scaling>
           <c:orientation val="minMax"/>
         </c:scaling>
@@ -619,7 +578,7 @@
             <a:endParaRPr lang="en-US"/>
           </a:p>
         </c:txPr>
-        <c:crossAx val="352177624"/>
+        <c:crossAx val="-1961258016"/>
         <c:crosses val="autoZero"/>
         <c:crossBetween val="between"/>
       </c:valAx>
@@ -1112,11 +1071,11 @@
         </c:dLbls>
         <c:gapWidth val="219"/>
         <c:overlap val="-27"/>
-        <c:axId val="295163424"/>
-        <c:axId val="295169304"/>
+        <c:axId val="-1961262368"/>
+        <c:axId val="-1961260736"/>
       </c:barChart>
       <c:catAx>
-        <c:axId val="295163424"/>
+        <c:axId val="-1961262368"/>
         <c:scaling>
           <c:orientation val="minMax"/>
         </c:scaling>
@@ -1159,7 +1118,7 @@
             <a:endParaRPr lang="en-US"/>
           </a:p>
         </c:txPr>
-        <c:crossAx val="295169304"/>
+        <c:crossAx val="-1961260736"/>
         <c:crosses val="autoZero"/>
         <c:auto val="1"/>
         <c:lblAlgn val="ctr"/>
@@ -1167,7 +1126,7 @@
         <c:noMultiLvlLbl val="0"/>
       </c:catAx>
       <c:valAx>
-        <c:axId val="295169304"/>
+        <c:axId val="-1961260736"/>
         <c:scaling>
           <c:orientation val="minMax"/>
         </c:scaling>
@@ -1218,7 +1177,7 @@
             <a:endParaRPr lang="en-US"/>
           </a:p>
         </c:txPr>
-        <c:crossAx val="295163424"/>
+        <c:crossAx val="-1961262368"/>
         <c:crosses val="autoZero"/>
         <c:crossBetween val="between"/>
       </c:valAx>
@@ -5685,13 +5644,8 @@
           <a:p>
             <a:r>
               <a:rPr lang="en-US" dirty="0" smtClean="0"/>
-              <a:t>Vincent </a:t>
-            </a:r>
-            <a:r>
-              <a:rPr lang="en-US" dirty="0" smtClean="0"/>
-              <a:t>Petrella</a:t>
-            </a:r>
-            <a:endParaRPr lang="en-US" dirty="0" smtClean="0"/>
+              <a:t>Vincent Petrella</a:t>
+            </a:r>
           </a:p>
           <a:p>
             <a:r>
@@ -5717,6 +5671,114 @@
     <p:extLst>
       <p:ext uri="{BB962C8B-B14F-4D97-AF65-F5344CB8AC3E}">
         <p14:creationId xmlns:p14="http://schemas.microsoft.com/office/powerpoint/2010/main" val="3208140007"/>
+      </p:ext>
+    </p:extLst>
+  </p:cSld>
+  <p:clrMapOvr>
+    <a:masterClrMapping/>
+  </p:clrMapOvr>
+  <p:timing>
+    <p:tnLst>
+      <p:par>
+        <p:cTn id="1" dur="indefinite" restart="never" nodeType="tmRoot"/>
+      </p:par>
+    </p:tnLst>
+  </p:timing>
+</p:sld>
+</file>
+
+<file path=ppt/slides/slide10.xml><?xml version="1.0" encoding="utf-8"?>
+<p:sld xmlns:a="http://schemas.openxmlformats.org/drawingml/2006/main" xmlns:r="http://schemas.openxmlformats.org/officeDocument/2006/relationships" xmlns:p="http://schemas.openxmlformats.org/presentationml/2006/main">
+  <p:cSld>
+    <p:spTree>
+      <p:nvGrpSpPr>
+        <p:cNvPr id="1" name=""/>
+        <p:cNvGrpSpPr/>
+        <p:nvPr/>
+      </p:nvGrpSpPr>
+      <p:grpSpPr>
+        <a:xfrm>
+          <a:off x="0" y="0"/>
+          <a:ext cx="0" cy="0"/>
+          <a:chOff x="0" y="0"/>
+          <a:chExt cx="0" cy="0"/>
+        </a:xfrm>
+      </p:grpSpPr>
+      <p:sp>
+        <p:nvSpPr>
+          <p:cNvPr id="2" name="Title 1"/>
+          <p:cNvSpPr>
+            <a:spLocks noGrp="1"/>
+          </p:cNvSpPr>
+          <p:nvPr>
+            <p:ph type="title"/>
+          </p:nvPr>
+        </p:nvSpPr>
+        <p:spPr/>
+        <p:txBody>
+          <a:bodyPr/>
+          <a:lstStyle/>
+          <a:p>
+            <a:r>
+              <a:rPr lang="en-US" dirty="0" smtClean="0"/>
+              <a:t>conclusion</a:t>
+            </a:r>
+            <a:endParaRPr lang="en-US" dirty="0"/>
+          </a:p>
+        </p:txBody>
+      </p:sp>
+      <p:sp>
+        <p:nvSpPr>
+          <p:cNvPr id="3" name="Content Placeholder 2"/>
+          <p:cNvSpPr>
+            <a:spLocks noGrp="1"/>
+          </p:cNvSpPr>
+          <p:nvPr>
+            <p:ph idx="1"/>
+          </p:nvPr>
+        </p:nvSpPr>
+        <p:spPr/>
+        <p:txBody>
+          <a:bodyPr/>
+          <a:lstStyle/>
+          <a:p>
+            <a:r>
+              <a:rPr lang="en-US" dirty="0" smtClean="0"/>
+              <a:t>An improvement to our algorithm would be to implement the Fisher faces algorithm for facial.</a:t>
+            </a:r>
+          </a:p>
+          <a:p>
+            <a:endParaRPr lang="en-US" dirty="0"/>
+          </a:p>
+          <a:p>
+            <a:r>
+              <a:rPr lang="en-US" dirty="0" smtClean="0"/>
+              <a:t>It’s more performant to parallelize the FFT process</a:t>
+            </a:r>
+          </a:p>
+          <a:p>
+            <a:endParaRPr lang="en-US" dirty="0"/>
+          </a:p>
+          <a:p>
+            <a:r>
+              <a:rPr lang="en-US" dirty="0" smtClean="0"/>
+              <a:t>Using </a:t>
+            </a:r>
+            <a:r>
+              <a:rPr lang="en-US" dirty="0" err="1" smtClean="0"/>
+              <a:t>OpenMP</a:t>
+            </a:r>
+            <a:r>
+              <a:rPr lang="en-US" dirty="0" smtClean="0"/>
+              <a:t> to parallelize the hashing part is not worth it since the parallelized computations are very simple (multiplication) and the communication overhead is too large.</a:t>
+            </a:r>
+          </a:p>
+        </p:txBody>
+      </p:sp>
+    </p:spTree>
+    <p:extLst>
+      <p:ext uri="{BB962C8B-B14F-4D97-AF65-F5344CB8AC3E}">
+        <p14:creationId xmlns:p14="http://schemas.microsoft.com/office/powerpoint/2010/main" val="847783788"/>
       </p:ext>
     </p:extLst>
   </p:cSld>
@@ -5817,11 +5879,7 @@
           <a:p>
             <a:r>
               <a:rPr lang="en-US" dirty="0" smtClean="0"/>
-              <a:t>Focus of the project is to compute the hash efficiently </a:t>
-            </a:r>
-            <a:r>
-              <a:rPr lang="en-US" dirty="0" smtClean="0"/>
-              <a:t>in parallel using </a:t>
+              <a:t>Focus of the project is to compute the hash efficiently in parallel using </a:t>
             </a:r>
             <a:r>
               <a:rPr lang="en-US" dirty="0" err="1" smtClean="0"/>
@@ -5839,7 +5897,6 @@
               <a:rPr lang="en-US" dirty="0" smtClean="0"/>
               <a:t> for the hash computations.</a:t>
             </a:r>
-            <a:endParaRPr lang="en-US" dirty="0" smtClean="0"/>
           </a:p>
           <a:p>
             <a:endParaRPr lang="en-US" dirty="0"/>
@@ -5914,8 +5971,8 @@
           </a:p>
         </p:txBody>
       </p:sp>
-      <mc:AlternateContent xmlns:mc="http://schemas.openxmlformats.org/markup-compatibility/2006">
-        <mc:Choice xmlns:a14="http://schemas.microsoft.com/office/drawing/2010/main" Requires="a14">
+      <mc:AlternateContent xmlns:mc="http://schemas.openxmlformats.org/markup-compatibility/2006" xmlns:a14="http://schemas.microsoft.com/office/drawing/2010/main">
+        <mc:Choice Requires="a14">
           <p:sp>
             <p:nvSpPr>
               <p:cNvPr id="3" name="Content Placeholder 2"/>
@@ -5975,11 +6032,7 @@
                 </a:r>
                 <a:r>
                   <a:rPr lang="en-US" dirty="0" smtClean="0"/>
-                  <a:t> implementation of FFT, which has complexity </a:t>
-                </a:r>
-                <a:r>
-                  <a:rPr lang="en-US" dirty="0" smtClean="0"/>
-                  <a:t>N </a:t>
+                  <a:t> implementation of FFT, which has complexity N </a:t>
                 </a:r>
                 <a14:m>
                   <m:oMath xmlns:m="http://schemas.openxmlformats.org/officeDocument/2006/math">
@@ -6041,7 +6094,7 @@
             </p:txBody>
           </p:sp>
         </mc:Choice>
-        <mc:Fallback>
+        <mc:Fallback xmlns="">
           <p:sp>
             <p:nvSpPr>
               <p:cNvPr id="3" name="Content Placeholder 2"/>
@@ -6128,6 +6181,269 @@
           <a:lstStyle/>
           <a:p>
             <a:r>
+              <a:rPr lang="en-US" dirty="0" smtClean="0"/>
+              <a:t>SERIAL FFT implementation</a:t>
+            </a:r>
+            <a:endParaRPr lang="en-US" dirty="0"/>
+          </a:p>
+        </p:txBody>
+      </p:sp>
+      <mc:AlternateContent xmlns:mc="http://schemas.openxmlformats.org/markup-compatibility/2006">
+        <mc:Choice xmlns:a14="http://schemas.microsoft.com/office/drawing/2010/main" Requires="a14">
+          <p:sp>
+            <p:nvSpPr>
+              <p:cNvPr id="3" name="Content Placeholder 2"/>
+              <p:cNvSpPr>
+                <a:spLocks noGrp="1"/>
+              </p:cNvSpPr>
+              <p:nvPr>
+                <p:ph idx="1"/>
+              </p:nvPr>
+            </p:nvSpPr>
+            <p:spPr>
+              <a:xfrm>
+                <a:off x="1202919" y="2011679"/>
+                <a:ext cx="4757934" cy="4708297"/>
+              </a:xfrm>
+            </p:spPr>
+            <p:txBody>
+              <a:bodyPr>
+                <a:normAutofit lnSpcReduction="10000"/>
+              </a:bodyPr>
+              <a:lstStyle/>
+              <a:p>
+                <a:r>
+                  <a:rPr lang="en-US" dirty="0" smtClean="0"/>
+                  <a:t>The 1D version is implemented using  Cooley-</a:t>
+                </a:r>
+                <a:r>
+                  <a:rPr lang="en-US" dirty="0" err="1" smtClean="0"/>
+                  <a:t>Tukey</a:t>
+                </a:r>
+                <a:r>
+                  <a:rPr lang="en-US" dirty="0" smtClean="0"/>
+                  <a:t> 2-radix algorithm in </a:t>
+                </a:r>
+                <a14:m>
+                  <m:oMath xmlns:m="http://schemas.openxmlformats.org/officeDocument/2006/math">
+                    <m:r>
+                      <a:rPr lang="en-US" b="0" i="1" smtClean="0">
+                        <a:latin typeface="Cambria Math" panose="02040503050406030204" pitchFamily="18" charset="0"/>
+                      </a:rPr>
+                      <m:t>𝑁𝑙𝑜</m:t>
+                    </m:r>
+                    <m:sSub>
+                      <m:sSubPr>
+                        <m:ctrlPr>
+                          <a:rPr lang="en-US" b="0" i="1" smtClean="0">
+                            <a:latin typeface="Cambria Math" panose="02040503050406030204" pitchFamily="18" charset="0"/>
+                          </a:rPr>
+                        </m:ctrlPr>
+                      </m:sSubPr>
+                      <m:e>
+                        <m:r>
+                          <a:rPr lang="en-US" b="0" i="1" smtClean="0">
+                            <a:latin typeface="Cambria Math" panose="02040503050406030204" pitchFamily="18" charset="0"/>
+                          </a:rPr>
+                          <m:t>𝑔</m:t>
+                        </m:r>
+                      </m:e>
+                      <m:sub>
+                        <m:r>
+                          <a:rPr lang="en-US" b="0" i="1" smtClean="0">
+                            <a:latin typeface="Cambria Math" panose="02040503050406030204" pitchFamily="18" charset="0"/>
+                          </a:rPr>
+                          <m:t>2</m:t>
+                        </m:r>
+                      </m:sub>
+                    </m:sSub>
+                    <m:r>
+                      <a:rPr lang="en-US" b="0" i="1" smtClean="0">
+                        <a:latin typeface="Cambria Math" panose="02040503050406030204" pitchFamily="18" charset="0"/>
+                      </a:rPr>
+                      <m:t>𝑁</m:t>
+                    </m:r>
+                  </m:oMath>
+                </a14:m>
+                <a:r>
+                  <a:rPr lang="en-US" dirty="0" smtClean="0"/>
+                  <a:t> time.</a:t>
+                </a:r>
+              </a:p>
+              <a:p>
+                <a:endParaRPr lang="en-US" dirty="0"/>
+              </a:p>
+              <a:p>
+                <a:r>
+                  <a:rPr lang="en-US" dirty="0" smtClean="0"/>
+                  <a:t>The 2D version simply runs the 1D algorithm on each column and then on each row of the matrix, resulting in </a:t>
+                </a:r>
+                <a14:m>
+                  <m:oMath xmlns:m="http://schemas.openxmlformats.org/officeDocument/2006/math">
+                    <m:r>
+                      <a:rPr lang="en-US" b="0" i="1" smtClean="0">
+                        <a:latin typeface="Cambria Math" panose="02040503050406030204" pitchFamily="18" charset="0"/>
+                      </a:rPr>
+                      <m:t>𝑀𝑙𝑜</m:t>
+                    </m:r>
+                    <m:sSub>
+                      <m:sSubPr>
+                        <m:ctrlPr>
+                          <a:rPr lang="en-US" b="0" i="1" smtClean="0">
+                            <a:latin typeface="Cambria Math" panose="02040503050406030204" pitchFamily="18" charset="0"/>
+                          </a:rPr>
+                        </m:ctrlPr>
+                      </m:sSubPr>
+                      <m:e>
+                        <m:r>
+                          <a:rPr lang="en-US" b="0" i="1" smtClean="0">
+                            <a:latin typeface="Cambria Math" panose="02040503050406030204" pitchFamily="18" charset="0"/>
+                          </a:rPr>
+                          <m:t>𝑔</m:t>
+                        </m:r>
+                      </m:e>
+                      <m:sub>
+                        <m:r>
+                          <a:rPr lang="en-US" b="0" i="1" smtClean="0">
+                            <a:latin typeface="Cambria Math" panose="02040503050406030204" pitchFamily="18" charset="0"/>
+                          </a:rPr>
+                          <m:t>2</m:t>
+                        </m:r>
+                      </m:sub>
+                    </m:sSub>
+                    <m:r>
+                      <a:rPr lang="en-US" b="0" i="1" smtClean="0">
+                        <a:latin typeface="Cambria Math" panose="02040503050406030204" pitchFamily="18" charset="0"/>
+                      </a:rPr>
+                      <m:t>𝑁</m:t>
+                    </m:r>
+                  </m:oMath>
+                </a14:m>
+                <a:r>
+                  <a:rPr lang="en-US" dirty="0" smtClean="0"/>
+                  <a:t>, where M = N*N, the total number of elements.</a:t>
+                </a:r>
+              </a:p>
+              <a:p>
+                <a:endParaRPr lang="en-US" dirty="0"/>
+              </a:p>
+              <a:p>
+                <a:r>
+                  <a:rPr lang="en-US" dirty="0" smtClean="0"/>
+                  <a:t>We end up with 2D complex matrix with the frequency representation of the image.</a:t>
+                </a:r>
+              </a:p>
+            </p:txBody>
+          </p:sp>
+        </mc:Choice>
+        <mc:Fallback>
+          <p:sp>
+            <p:nvSpPr>
+              <p:cNvPr id="3" name="Content Placeholder 2"/>
+              <p:cNvSpPr>
+                <a:spLocks noGrp="1" noRot="1" noChangeAspect="1" noMove="1" noResize="1" noEditPoints="1" noAdjustHandles="1" noChangeArrowheads="1" noChangeShapeType="1" noTextEdit="1"/>
+              </p:cNvSpPr>
+              <p:nvPr>
+                <p:ph idx="1"/>
+              </p:nvPr>
+            </p:nvSpPr>
+            <p:spPr>
+              <a:xfrm>
+                <a:off x="1202919" y="2011679"/>
+                <a:ext cx="4757934" cy="4708297"/>
+              </a:xfrm>
+              <a:blipFill rotWithShape="0">
+                <a:blip r:embed="rId2"/>
+                <a:stretch>
+                  <a:fillRect l="-1408" t="-2202" r="-1793"/>
+                </a:stretch>
+              </a:blipFill>
+            </p:spPr>
+            <p:txBody>
+              <a:bodyPr/>
+              <a:lstStyle/>
+              <a:p>
+                <a:r>
+                  <a:rPr lang="en-US">
+                    <a:noFill/>
+                  </a:rPr>
+                  <a:t> </a:t>
+                </a:r>
+              </a:p>
+            </p:txBody>
+          </p:sp>
+        </mc:Fallback>
+      </mc:AlternateContent>
+      <p:pic>
+        <p:nvPicPr>
+          <p:cNvPr id="4" name="Picture 3"/>
+          <p:cNvPicPr>
+            <a:picLocks noChangeAspect="1"/>
+          </p:cNvPicPr>
+          <p:nvPr/>
+        </p:nvPicPr>
+        <p:blipFill>
+          <a:blip r:embed="rId3"/>
+          <a:stretch>
+            <a:fillRect/>
+          </a:stretch>
+        </p:blipFill>
+        <p:spPr>
+          <a:xfrm>
+            <a:off x="6025101" y="2011680"/>
+            <a:ext cx="5800725" cy="3943350"/>
+          </a:xfrm>
+          <a:prstGeom prst="rect">
+            <a:avLst/>
+          </a:prstGeom>
+        </p:spPr>
+      </p:pic>
+    </p:spTree>
+    <p:extLst>
+      <p:ext uri="{BB962C8B-B14F-4D97-AF65-F5344CB8AC3E}">
+        <p14:creationId xmlns:p14="http://schemas.microsoft.com/office/powerpoint/2010/main" val="1177206826"/>
+      </p:ext>
+    </p:extLst>
+  </p:cSld>
+  <p:clrMapOvr>
+    <a:masterClrMapping/>
+  </p:clrMapOvr>
+</p:sld>
+</file>
+
+<file path=ppt/slides/slide5.xml><?xml version="1.0" encoding="utf-8"?>
+<p:sld xmlns:a="http://schemas.openxmlformats.org/drawingml/2006/main" xmlns:r="http://schemas.openxmlformats.org/officeDocument/2006/relationships" xmlns:p="http://schemas.openxmlformats.org/presentationml/2006/main">
+  <p:cSld>
+    <p:spTree>
+      <p:nvGrpSpPr>
+        <p:cNvPr id="1" name=""/>
+        <p:cNvGrpSpPr/>
+        <p:nvPr/>
+      </p:nvGrpSpPr>
+      <p:grpSpPr>
+        <a:xfrm>
+          <a:off x="0" y="0"/>
+          <a:ext cx="0" cy="0"/>
+          <a:chOff x="0" y="0"/>
+          <a:chExt cx="0" cy="0"/>
+        </a:xfrm>
+      </p:grpSpPr>
+      <p:sp>
+        <p:nvSpPr>
+          <p:cNvPr id="2" name="Title 1"/>
+          <p:cNvSpPr>
+            <a:spLocks noGrp="1"/>
+          </p:cNvSpPr>
+          <p:nvPr>
+            <p:ph type="title"/>
+          </p:nvPr>
+        </p:nvSpPr>
+        <p:spPr/>
+        <p:txBody>
+          <a:bodyPr/>
+          <a:lstStyle/>
+          <a:p>
+            <a:r>
               <a:rPr lang="en-CA" dirty="0" smtClean="0"/>
               <a:t>Results - FFT</a:t>
             </a:r>
@@ -6173,7 +6489,7 @@
 </p:sld>
 </file>
 
-<file path=ppt/slides/slide5.xml><?xml version="1.0" encoding="utf-8"?>
+<file path=ppt/slides/slide6.xml><?xml version="1.0" encoding="utf-8"?>
 <p:sld xmlns:a="http://schemas.openxmlformats.org/drawingml/2006/main" xmlns:r="http://schemas.openxmlformats.org/officeDocument/2006/relationships" xmlns:p="http://schemas.openxmlformats.org/presentationml/2006/main">
   <p:cSld>
     <p:spTree>
@@ -6461,7 +6777,7 @@
 </p:sld>
 </file>
 
-<file path=ppt/slides/slide6.xml><?xml version="1.0" encoding="utf-8"?>
+<file path=ppt/slides/slide7.xml><?xml version="1.0" encoding="utf-8"?>
 <p:sld xmlns:a="http://schemas.openxmlformats.org/drawingml/2006/main" xmlns:r="http://schemas.openxmlformats.org/officeDocument/2006/relationships" xmlns:p="http://schemas.openxmlformats.org/presentationml/2006/main">
   <p:cSld>
     <p:spTree>
@@ -6761,7 +7077,7 @@
 </p:sld>
 </file>
 
-<file path=ppt/slides/slide7.xml><?xml version="1.0" encoding="utf-8"?>
+<file path=ppt/slides/slide8.xml><?xml version="1.0" encoding="utf-8"?>
 <p:sld xmlns:a="http://schemas.openxmlformats.org/drawingml/2006/main" xmlns:r="http://schemas.openxmlformats.org/officeDocument/2006/relationships" xmlns:p="http://schemas.openxmlformats.org/presentationml/2006/main">
   <p:cSld>
     <p:spTree>
@@ -7245,91 +7561,6 @@
 </p:sld>
 </file>
 
-<file path=ppt/slides/slide8.xml><?xml version="1.0" encoding="utf-8"?>
-<p:sld xmlns:a="http://schemas.openxmlformats.org/drawingml/2006/main" xmlns:r="http://schemas.openxmlformats.org/officeDocument/2006/relationships" xmlns:p="http://schemas.openxmlformats.org/presentationml/2006/main">
-  <p:cSld>
-    <p:spTree>
-      <p:nvGrpSpPr>
-        <p:cNvPr id="1" name=""/>
-        <p:cNvGrpSpPr/>
-        <p:nvPr/>
-      </p:nvGrpSpPr>
-      <p:grpSpPr>
-        <a:xfrm>
-          <a:off x="0" y="0"/>
-          <a:ext cx="0" cy="0"/>
-          <a:chOff x="0" y="0"/>
-          <a:chExt cx="0" cy="0"/>
-        </a:xfrm>
-      </p:grpSpPr>
-      <p:sp>
-        <p:nvSpPr>
-          <p:cNvPr id="2" name="Title 1"/>
-          <p:cNvSpPr>
-            <a:spLocks noGrp="1"/>
-          </p:cNvSpPr>
-          <p:nvPr>
-            <p:ph type="title"/>
-          </p:nvPr>
-        </p:nvSpPr>
-        <p:spPr/>
-        <p:txBody>
-          <a:bodyPr/>
-          <a:lstStyle/>
-          <a:p>
-            <a:r>
-              <a:rPr lang="en-US" dirty="0" smtClean="0"/>
-              <a:t>Results – Hashing – I7 Processor</a:t>
-            </a:r>
-            <a:endParaRPr lang="en-US" dirty="0"/>
-          </a:p>
-        </p:txBody>
-      </p:sp>
-      <p:graphicFrame>
-        <p:nvGraphicFramePr>
-          <p:cNvPr id="16" name="Content Placeholder 15"/>
-          <p:cNvGraphicFramePr>
-            <a:graphicFrameLocks noGrp="1"/>
-          </p:cNvGraphicFramePr>
-          <p:nvPr>
-            <p:ph idx="1"/>
-            <p:extLst>
-              <p:ext uri="{D42A27DB-BD31-4B8C-83A1-F6EECF244321}">
-                <p14:modId xmlns:p14="http://schemas.microsoft.com/office/powerpoint/2010/main" val="2709095916"/>
-              </p:ext>
-            </p:extLst>
-          </p:nvPr>
-        </p:nvGraphicFramePr>
-        <p:xfrm>
-          <a:off x="1203325" y="2011363"/>
-          <a:ext cx="9783763" cy="4206875"/>
-        </p:xfrm>
-        <a:graphic>
-          <a:graphicData uri="http://schemas.openxmlformats.org/drawingml/2006/chart">
-            <c:chart xmlns:c="http://schemas.openxmlformats.org/drawingml/2006/chart" xmlns:r="http://schemas.openxmlformats.org/officeDocument/2006/relationships" r:id="rId2"/>
-          </a:graphicData>
-        </a:graphic>
-      </p:graphicFrame>
-    </p:spTree>
-    <p:extLst>
-      <p:ext uri="{BB962C8B-B14F-4D97-AF65-F5344CB8AC3E}">
-        <p14:creationId xmlns:p14="http://schemas.microsoft.com/office/powerpoint/2010/main" val="187523575"/>
-      </p:ext>
-    </p:extLst>
-  </p:cSld>
-  <p:clrMapOvr>
-    <a:masterClrMapping/>
-  </p:clrMapOvr>
-  <p:timing>
-    <p:tnLst>
-      <p:par>
-        <p:cTn id="1" dur="indefinite" restart="never" nodeType="tmRoot"/>
-      </p:par>
-    </p:tnLst>
-  </p:timing>
-</p:sld>
-</file>
-
 <file path=ppt/slides/slide9.xml><?xml version="1.0" encoding="utf-8"?>
 <p:sld xmlns:a="http://schemas.openxmlformats.org/drawingml/2006/main" xmlns:r="http://schemas.openxmlformats.org/officeDocument/2006/relationships" xmlns:p="http://schemas.openxmlformats.org/presentationml/2006/main">
   <p:cSld>
@@ -7364,81 +7595,41 @@
           <a:p>
             <a:r>
               <a:rPr lang="en-US" dirty="0" smtClean="0"/>
-              <a:t>conclusion</a:t>
+              <a:t>Results – Hashing – I7 Processor</a:t>
             </a:r>
             <a:endParaRPr lang="en-US" dirty="0"/>
           </a:p>
         </p:txBody>
       </p:sp>
-      <p:sp>
-        <p:nvSpPr>
-          <p:cNvPr id="3" name="Content Placeholder 2"/>
-          <p:cNvSpPr>
-            <a:spLocks noGrp="1"/>
-          </p:cNvSpPr>
+      <p:graphicFrame>
+        <p:nvGraphicFramePr>
+          <p:cNvPr id="16" name="Content Placeholder 15"/>
+          <p:cNvGraphicFramePr>
+            <a:graphicFrameLocks noGrp="1"/>
+          </p:cNvGraphicFramePr>
           <p:nvPr>
             <p:ph idx="1"/>
-          </p:nvPr>
-        </p:nvSpPr>
-        <p:spPr/>
-        <p:txBody>
-          <a:bodyPr/>
-          <a:lstStyle/>
-          <a:p>
-            <a:r>
-              <a:rPr lang="en-US" dirty="0" smtClean="0"/>
-              <a:t>An improvement to our algorithm would </a:t>
-            </a:r>
-            <a:r>
-              <a:rPr lang="en-US" dirty="0" smtClean="0"/>
-              <a:t>be to implement </a:t>
-            </a:r>
-            <a:r>
-              <a:rPr lang="en-US" dirty="0" smtClean="0"/>
-              <a:t>the </a:t>
-            </a:r>
-            <a:r>
-              <a:rPr lang="en-US" dirty="0" smtClean="0"/>
-              <a:t>Fisher faces algorithm for </a:t>
-            </a:r>
-            <a:r>
-              <a:rPr lang="en-US" dirty="0" smtClean="0"/>
-              <a:t>facial.</a:t>
-            </a:r>
-            <a:endParaRPr lang="en-US" dirty="0" smtClean="0"/>
-          </a:p>
-          <a:p>
-            <a:endParaRPr lang="en-US" dirty="0"/>
-          </a:p>
-          <a:p>
-            <a:r>
-              <a:rPr lang="en-US" dirty="0" smtClean="0"/>
-              <a:t>It’s more performant to parallelize the FFT process</a:t>
-            </a:r>
-          </a:p>
-          <a:p>
-            <a:endParaRPr lang="en-US" dirty="0"/>
-          </a:p>
-          <a:p>
-            <a:r>
-              <a:rPr lang="en-US" dirty="0" smtClean="0"/>
-              <a:t>Using </a:t>
-            </a:r>
-            <a:r>
-              <a:rPr lang="en-US" dirty="0" err="1" smtClean="0"/>
-              <a:t>OpenMP</a:t>
-            </a:r>
-            <a:r>
-              <a:rPr lang="en-US" dirty="0" smtClean="0"/>
-              <a:t> to parallelize the hashing part is not worth it since the parallelized computations are very simple (multiplication) and the communication overhead is too large.</a:t>
-            </a:r>
-          </a:p>
-        </p:txBody>
-      </p:sp>
+            <p:extLst>
+              <p:ext uri="{D42A27DB-BD31-4B8C-83A1-F6EECF244321}">
+                <p14:modId xmlns:p14="http://schemas.microsoft.com/office/powerpoint/2010/main" val="2709095916"/>
+              </p:ext>
+            </p:extLst>
+          </p:nvPr>
+        </p:nvGraphicFramePr>
+        <p:xfrm>
+          <a:off x="1203325" y="2011363"/>
+          <a:ext cx="9783763" cy="4206875"/>
+        </p:xfrm>
+        <a:graphic>
+          <a:graphicData uri="http://schemas.openxmlformats.org/drawingml/2006/chart">
+            <c:chart xmlns:c="http://schemas.openxmlformats.org/drawingml/2006/chart" xmlns:r="http://schemas.openxmlformats.org/officeDocument/2006/relationships" r:id="rId2"/>
+          </a:graphicData>
+        </a:graphic>
+      </p:graphicFrame>
     </p:spTree>
     <p:extLst>
       <p:ext uri="{BB962C8B-B14F-4D97-AF65-F5344CB8AC3E}">
-        <p14:creationId xmlns:p14="http://schemas.microsoft.com/office/powerpoint/2010/main" val="847783788"/>
+        <p14:creationId xmlns:p14="http://schemas.microsoft.com/office/powerpoint/2010/main" val="187523575"/>
       </p:ext>
     </p:extLst>
   </p:cSld>

--- a/results/presentation_draft.pptx
+++ b/results/presentation_draft.pptx
@@ -9,12 +9,13 @@
     <p:sldId id="257" r:id="rId3"/>
     <p:sldId id="259" r:id="rId4"/>
     <p:sldId id="265" r:id="rId5"/>
-    <p:sldId id="264" r:id="rId6"/>
-    <p:sldId id="260" r:id="rId7"/>
-    <p:sldId id="263" r:id="rId8"/>
-    <p:sldId id="258" r:id="rId9"/>
-    <p:sldId id="261" r:id="rId10"/>
-    <p:sldId id="262" r:id="rId11"/>
+    <p:sldId id="266" r:id="rId6"/>
+    <p:sldId id="264" r:id="rId7"/>
+    <p:sldId id="260" r:id="rId8"/>
+    <p:sldId id="263" r:id="rId9"/>
+    <p:sldId id="258" r:id="rId10"/>
+    <p:sldId id="261" r:id="rId11"/>
+    <p:sldId id="262" r:id="rId12"/>
   </p:sldIdLst>
   <p:sldSz cx="12192000" cy="6858000"/>
   <p:notesSz cx="6858000" cy="9144000"/>
@@ -472,11 +473,11 @@
         </c:dLbls>
         <c:gapWidth val="219"/>
         <c:overlap val="-27"/>
-        <c:axId val="-1961258016"/>
-        <c:axId val="-1961252576"/>
+        <c:axId val="352180760"/>
+        <c:axId val="352175272"/>
       </c:barChart>
       <c:catAx>
-        <c:axId val="-1961258016"/>
+        <c:axId val="352180760"/>
         <c:scaling>
           <c:orientation val="minMax"/>
         </c:scaling>
@@ -519,7 +520,7 @@
             <a:endParaRPr lang="en-US"/>
           </a:p>
         </c:txPr>
-        <c:crossAx val="-1961252576"/>
+        <c:crossAx val="352175272"/>
         <c:crosses val="autoZero"/>
         <c:auto val="1"/>
         <c:lblAlgn val="ctr"/>
@@ -527,7 +528,7 @@
         <c:noMultiLvlLbl val="0"/>
       </c:catAx>
       <c:valAx>
-        <c:axId val="-1961252576"/>
+        <c:axId val="352175272"/>
         <c:scaling>
           <c:orientation val="minMax"/>
         </c:scaling>
@@ -578,7 +579,7 @@
             <a:endParaRPr lang="en-US"/>
           </a:p>
         </c:txPr>
-        <c:crossAx val="-1961258016"/>
+        <c:crossAx val="352180760"/>
         <c:crosses val="autoZero"/>
         <c:crossBetween val="between"/>
       </c:valAx>
@@ -689,7 +690,6 @@
           </a:p>
         </c:rich>
       </c:tx>
-      <c:layout/>
       <c:overlay val="0"/>
       <c:spPr>
         <a:noFill/>
@@ -1071,11 +1071,11 @@
         </c:dLbls>
         <c:gapWidth val="219"/>
         <c:overlap val="-27"/>
-        <c:axId val="-1961262368"/>
-        <c:axId val="-1961260736"/>
+        <c:axId val="297463392"/>
+        <c:axId val="297467704"/>
       </c:barChart>
       <c:catAx>
-        <c:axId val="-1961262368"/>
+        <c:axId val="297463392"/>
         <c:scaling>
           <c:orientation val="minMax"/>
         </c:scaling>
@@ -1118,7 +1118,7 @@
             <a:endParaRPr lang="en-US"/>
           </a:p>
         </c:txPr>
-        <c:crossAx val="-1961260736"/>
+        <c:crossAx val="297467704"/>
         <c:crosses val="autoZero"/>
         <c:auto val="1"/>
         <c:lblAlgn val="ctr"/>
@@ -1126,7 +1126,7 @@
         <c:noMultiLvlLbl val="0"/>
       </c:catAx>
       <c:valAx>
-        <c:axId val="-1961260736"/>
+        <c:axId val="297467704"/>
         <c:scaling>
           <c:orientation val="minMax"/>
         </c:scaling>
@@ -1177,7 +1177,7 @@
             <a:endParaRPr lang="en-US"/>
           </a:p>
         </c:txPr>
-        <c:crossAx val="-1961262368"/>
+        <c:crossAx val="297463392"/>
         <c:crosses val="autoZero"/>
         <c:crossBetween val="between"/>
       </c:valAx>
@@ -1191,7 +1191,6 @@
     </c:plotArea>
     <c:legend>
       <c:legendPos val="b"/>
-      <c:layout/>
       <c:overlay val="0"/>
       <c:spPr>
         <a:noFill/>
@@ -5721,6 +5720,91 @@
           <a:p>
             <a:r>
               <a:rPr lang="en-US" dirty="0" smtClean="0"/>
+              <a:t>Results – Hashing – I7 Processor</a:t>
+            </a:r>
+            <a:endParaRPr lang="en-US" dirty="0"/>
+          </a:p>
+        </p:txBody>
+      </p:sp>
+      <p:graphicFrame>
+        <p:nvGraphicFramePr>
+          <p:cNvPr id="16" name="Content Placeholder 15"/>
+          <p:cNvGraphicFramePr>
+            <a:graphicFrameLocks noGrp="1"/>
+          </p:cNvGraphicFramePr>
+          <p:nvPr>
+            <p:ph idx="1"/>
+            <p:extLst>
+              <p:ext uri="{D42A27DB-BD31-4B8C-83A1-F6EECF244321}">
+                <p14:modId xmlns:p14="http://schemas.microsoft.com/office/powerpoint/2010/main" val="2709095916"/>
+              </p:ext>
+            </p:extLst>
+          </p:nvPr>
+        </p:nvGraphicFramePr>
+        <p:xfrm>
+          <a:off x="1203325" y="2011363"/>
+          <a:ext cx="9783763" cy="4206875"/>
+        </p:xfrm>
+        <a:graphic>
+          <a:graphicData uri="http://schemas.openxmlformats.org/drawingml/2006/chart">
+            <c:chart xmlns:c="http://schemas.openxmlformats.org/drawingml/2006/chart" xmlns:r="http://schemas.openxmlformats.org/officeDocument/2006/relationships" r:id="rId2"/>
+          </a:graphicData>
+        </a:graphic>
+      </p:graphicFrame>
+    </p:spTree>
+    <p:extLst>
+      <p:ext uri="{BB962C8B-B14F-4D97-AF65-F5344CB8AC3E}">
+        <p14:creationId xmlns:p14="http://schemas.microsoft.com/office/powerpoint/2010/main" val="187523575"/>
+      </p:ext>
+    </p:extLst>
+  </p:cSld>
+  <p:clrMapOvr>
+    <a:masterClrMapping/>
+  </p:clrMapOvr>
+  <p:timing>
+    <p:tnLst>
+      <p:par>
+        <p:cTn id="1" dur="indefinite" restart="never" nodeType="tmRoot"/>
+      </p:par>
+    </p:tnLst>
+  </p:timing>
+</p:sld>
+</file>
+
+<file path=ppt/slides/slide11.xml><?xml version="1.0" encoding="utf-8"?>
+<p:sld xmlns:a="http://schemas.openxmlformats.org/drawingml/2006/main" xmlns:r="http://schemas.openxmlformats.org/officeDocument/2006/relationships" xmlns:p="http://schemas.openxmlformats.org/presentationml/2006/main">
+  <p:cSld>
+    <p:spTree>
+      <p:nvGrpSpPr>
+        <p:cNvPr id="1" name=""/>
+        <p:cNvGrpSpPr/>
+        <p:nvPr/>
+      </p:nvGrpSpPr>
+      <p:grpSpPr>
+        <a:xfrm>
+          <a:off x="0" y="0"/>
+          <a:ext cx="0" cy="0"/>
+          <a:chOff x="0" y="0"/>
+          <a:chExt cx="0" cy="0"/>
+        </a:xfrm>
+      </p:grpSpPr>
+      <p:sp>
+        <p:nvSpPr>
+          <p:cNvPr id="2" name="Title 1"/>
+          <p:cNvSpPr>
+            <a:spLocks noGrp="1"/>
+          </p:cNvSpPr>
+          <p:nvPr>
+            <p:ph type="title"/>
+          </p:nvPr>
+        </p:nvSpPr>
+        <p:spPr/>
+        <p:txBody>
+          <a:bodyPr/>
+          <a:lstStyle/>
+          <a:p>
+            <a:r>
+              <a:rPr lang="en-US" dirty="0" smtClean="0"/>
               <a:t>conclusion</a:t>
             </a:r>
             <a:endParaRPr lang="en-US" dirty="0"/>
@@ -6188,8 +6272,8 @@
           </a:p>
         </p:txBody>
       </p:sp>
-      <mc:AlternateContent xmlns:mc="http://schemas.openxmlformats.org/markup-compatibility/2006">
-        <mc:Choice xmlns:a14="http://schemas.microsoft.com/office/drawing/2010/main" Requires="a14">
+      <mc:AlternateContent xmlns:mc="http://schemas.openxmlformats.org/markup-compatibility/2006" xmlns:a14="http://schemas.microsoft.com/office/drawing/2010/main">
+        <mc:Choice Requires="a14">
           <p:sp>
             <p:nvSpPr>
               <p:cNvPr id="3" name="Content Placeholder 2"/>
@@ -6336,7 +6420,7 @@
             </p:txBody>
           </p:sp>
         </mc:Choice>
-        <mc:Fallback>
+        <mc:Fallback xmlns="">
           <p:sp>
             <p:nvSpPr>
               <p:cNvPr id="3" name="Content Placeholder 2"/>
@@ -6444,6 +6528,142 @@
           <a:lstStyle/>
           <a:p>
             <a:r>
+              <a:rPr lang="en-US" dirty="0" smtClean="0"/>
+              <a:t>FFT on the </a:t>
+            </a:r>
+            <a:r>
+              <a:rPr lang="en-US" dirty="0" err="1" smtClean="0"/>
+              <a:t>gpu</a:t>
+            </a:r>
+            <a:r>
+              <a:rPr lang="en-US" dirty="0" smtClean="0"/>
+              <a:t> using </a:t>
+            </a:r>
+            <a:r>
+              <a:rPr lang="en-US" dirty="0" err="1" smtClean="0"/>
+              <a:t>opencl</a:t>
+            </a:r>
+            <a:endParaRPr lang="en-US" dirty="0"/>
+          </a:p>
+        </p:txBody>
+      </p:sp>
+      <p:sp>
+        <p:nvSpPr>
+          <p:cNvPr id="3" name="Content Placeholder 2"/>
+          <p:cNvSpPr>
+            <a:spLocks noGrp="1"/>
+          </p:cNvSpPr>
+          <p:nvPr>
+            <p:ph idx="1"/>
+          </p:nvPr>
+        </p:nvSpPr>
+        <p:spPr/>
+        <p:txBody>
+          <a:bodyPr/>
+          <a:lstStyle/>
+          <a:p>
+            <a:r>
+              <a:rPr lang="en-US" dirty="0" smtClean="0"/>
+              <a:t>FFT operation is a great fit to un on GPUs:</a:t>
+            </a:r>
+          </a:p>
+          <a:p>
+            <a:pPr lvl="2"/>
+            <a:endParaRPr lang="en-US" dirty="0" smtClean="0"/>
+          </a:p>
+          <a:p>
+            <a:pPr lvl="2"/>
+            <a:r>
+              <a:rPr lang="en-US" sz="2200" dirty="0" smtClean="0"/>
+              <a:t>By linearity of the Fourier transform operation, data can be computed independently and coalesced later.</a:t>
+            </a:r>
+          </a:p>
+          <a:p>
+            <a:pPr lvl="2"/>
+            <a:endParaRPr lang="en-US" sz="2200" dirty="0"/>
+          </a:p>
+          <a:p>
+            <a:pPr lvl="2"/>
+            <a:r>
+              <a:rPr lang="en-US" sz="2200" dirty="0" smtClean="0"/>
+              <a:t>Our algorithm computes the 1D FFT on each row of the image. Each computation can be done independently.</a:t>
+            </a:r>
+          </a:p>
+          <a:p>
+            <a:pPr lvl="2"/>
+            <a:endParaRPr lang="en-US" sz="2200" dirty="0"/>
+          </a:p>
+          <a:p>
+            <a:pPr lvl="2"/>
+            <a:r>
+              <a:rPr lang="en-US" sz="2200" dirty="0" smtClean="0"/>
+              <a:t>Simple arithmetic operations, which the GPUs are built to crunch.</a:t>
+            </a:r>
+          </a:p>
+          <a:p>
+            <a:pPr lvl="2"/>
+            <a:endParaRPr lang="en-US" dirty="0"/>
+          </a:p>
+          <a:p>
+            <a:pPr lvl="2"/>
+            <a:endParaRPr lang="en-US" dirty="0" smtClean="0"/>
+          </a:p>
+          <a:p>
+            <a:pPr lvl="2"/>
+            <a:endParaRPr lang="en-US" dirty="0"/>
+          </a:p>
+          <a:p>
+            <a:pPr lvl="2"/>
+            <a:endParaRPr lang="en-US" dirty="0" smtClean="0"/>
+          </a:p>
+        </p:txBody>
+      </p:sp>
+    </p:spTree>
+    <p:extLst>
+      <p:ext uri="{BB962C8B-B14F-4D97-AF65-F5344CB8AC3E}">
+        <p14:creationId xmlns:p14="http://schemas.microsoft.com/office/powerpoint/2010/main" val="2108681048"/>
+      </p:ext>
+    </p:extLst>
+  </p:cSld>
+  <p:clrMapOvr>
+    <a:masterClrMapping/>
+  </p:clrMapOvr>
+</p:sld>
+</file>
+
+<file path=ppt/slides/slide6.xml><?xml version="1.0" encoding="utf-8"?>
+<p:sld xmlns:a="http://schemas.openxmlformats.org/drawingml/2006/main" xmlns:r="http://schemas.openxmlformats.org/officeDocument/2006/relationships" xmlns:p="http://schemas.openxmlformats.org/presentationml/2006/main">
+  <p:cSld>
+    <p:spTree>
+      <p:nvGrpSpPr>
+        <p:cNvPr id="1" name=""/>
+        <p:cNvGrpSpPr/>
+        <p:nvPr/>
+      </p:nvGrpSpPr>
+      <p:grpSpPr>
+        <a:xfrm>
+          <a:off x="0" y="0"/>
+          <a:ext cx="0" cy="0"/>
+          <a:chOff x="0" y="0"/>
+          <a:chExt cx="0" cy="0"/>
+        </a:xfrm>
+      </p:grpSpPr>
+      <p:sp>
+        <p:nvSpPr>
+          <p:cNvPr id="2" name="Title 1"/>
+          <p:cNvSpPr>
+            <a:spLocks noGrp="1"/>
+          </p:cNvSpPr>
+          <p:nvPr>
+            <p:ph type="title"/>
+          </p:nvPr>
+        </p:nvSpPr>
+        <p:spPr/>
+        <p:txBody>
+          <a:bodyPr/>
+          <a:lstStyle/>
+          <a:p>
+            <a:r>
               <a:rPr lang="en-CA" dirty="0" smtClean="0"/>
               <a:t>Results - FFT</a:t>
             </a:r>
@@ -6489,7 +6709,7 @@
 </p:sld>
 </file>
 
-<file path=ppt/slides/slide6.xml><?xml version="1.0" encoding="utf-8"?>
+<file path=ppt/slides/slide7.xml><?xml version="1.0" encoding="utf-8"?>
 <p:sld xmlns:a="http://schemas.openxmlformats.org/drawingml/2006/main" xmlns:r="http://schemas.openxmlformats.org/officeDocument/2006/relationships" xmlns:p="http://schemas.openxmlformats.org/presentationml/2006/main">
   <p:cSld>
     <p:spTree>
@@ -6777,7 +6997,7 @@
 </p:sld>
 </file>
 
-<file path=ppt/slides/slide7.xml><?xml version="1.0" encoding="utf-8"?>
+<file path=ppt/slides/slide8.xml><?xml version="1.0" encoding="utf-8"?>
 <p:sld xmlns:a="http://schemas.openxmlformats.org/drawingml/2006/main" xmlns:r="http://schemas.openxmlformats.org/officeDocument/2006/relationships" xmlns:p="http://schemas.openxmlformats.org/presentationml/2006/main">
   <p:cSld>
     <p:spTree>
@@ -7077,7 +7297,7 @@
 </p:sld>
 </file>
 
-<file path=ppt/slides/slide8.xml><?xml version="1.0" encoding="utf-8"?>
+<file path=ppt/slides/slide9.xml><?xml version="1.0" encoding="utf-8"?>
 <p:sld xmlns:a="http://schemas.openxmlformats.org/drawingml/2006/main" xmlns:r="http://schemas.openxmlformats.org/officeDocument/2006/relationships" xmlns:p="http://schemas.openxmlformats.org/presentationml/2006/main">
   <p:cSld>
     <p:spTree>
@@ -7561,91 +7781,6 @@
 </p:sld>
 </file>
 
-<file path=ppt/slides/slide9.xml><?xml version="1.0" encoding="utf-8"?>
-<p:sld xmlns:a="http://schemas.openxmlformats.org/drawingml/2006/main" xmlns:r="http://schemas.openxmlformats.org/officeDocument/2006/relationships" xmlns:p="http://schemas.openxmlformats.org/presentationml/2006/main">
-  <p:cSld>
-    <p:spTree>
-      <p:nvGrpSpPr>
-        <p:cNvPr id="1" name=""/>
-        <p:cNvGrpSpPr/>
-        <p:nvPr/>
-      </p:nvGrpSpPr>
-      <p:grpSpPr>
-        <a:xfrm>
-          <a:off x="0" y="0"/>
-          <a:ext cx="0" cy="0"/>
-          <a:chOff x="0" y="0"/>
-          <a:chExt cx="0" cy="0"/>
-        </a:xfrm>
-      </p:grpSpPr>
-      <p:sp>
-        <p:nvSpPr>
-          <p:cNvPr id="2" name="Title 1"/>
-          <p:cNvSpPr>
-            <a:spLocks noGrp="1"/>
-          </p:cNvSpPr>
-          <p:nvPr>
-            <p:ph type="title"/>
-          </p:nvPr>
-        </p:nvSpPr>
-        <p:spPr/>
-        <p:txBody>
-          <a:bodyPr/>
-          <a:lstStyle/>
-          <a:p>
-            <a:r>
-              <a:rPr lang="en-US" dirty="0" smtClean="0"/>
-              <a:t>Results – Hashing – I7 Processor</a:t>
-            </a:r>
-            <a:endParaRPr lang="en-US" dirty="0"/>
-          </a:p>
-        </p:txBody>
-      </p:sp>
-      <p:graphicFrame>
-        <p:nvGraphicFramePr>
-          <p:cNvPr id="16" name="Content Placeholder 15"/>
-          <p:cNvGraphicFramePr>
-            <a:graphicFrameLocks noGrp="1"/>
-          </p:cNvGraphicFramePr>
-          <p:nvPr>
-            <p:ph idx="1"/>
-            <p:extLst>
-              <p:ext uri="{D42A27DB-BD31-4B8C-83A1-F6EECF244321}">
-                <p14:modId xmlns:p14="http://schemas.microsoft.com/office/powerpoint/2010/main" val="2709095916"/>
-              </p:ext>
-            </p:extLst>
-          </p:nvPr>
-        </p:nvGraphicFramePr>
-        <p:xfrm>
-          <a:off x="1203325" y="2011363"/>
-          <a:ext cx="9783763" cy="4206875"/>
-        </p:xfrm>
-        <a:graphic>
-          <a:graphicData uri="http://schemas.openxmlformats.org/drawingml/2006/chart">
-            <c:chart xmlns:c="http://schemas.openxmlformats.org/drawingml/2006/chart" xmlns:r="http://schemas.openxmlformats.org/officeDocument/2006/relationships" r:id="rId2"/>
-          </a:graphicData>
-        </a:graphic>
-      </p:graphicFrame>
-    </p:spTree>
-    <p:extLst>
-      <p:ext uri="{BB962C8B-B14F-4D97-AF65-F5344CB8AC3E}">
-        <p14:creationId xmlns:p14="http://schemas.microsoft.com/office/powerpoint/2010/main" val="187523575"/>
-      </p:ext>
-    </p:extLst>
-  </p:cSld>
-  <p:clrMapOvr>
-    <a:masterClrMapping/>
-  </p:clrMapOvr>
-  <p:timing>
-    <p:tnLst>
-      <p:par>
-        <p:cTn id="1" dur="indefinite" restart="never" nodeType="tmRoot"/>
-      </p:par>
-    </p:tnLst>
-  </p:timing>
-</p:sld>
-</file>
-
 <file path=ppt/theme/theme1.xml><?xml version="1.0" encoding="utf-8"?>
 <a:theme xmlns:a="http://schemas.openxmlformats.org/drawingml/2006/main" name="Banded">
   <a:themeElements>
